--- a/projet/report.pptx
+++ b/projet/report.pptx
@@ -23,6 +23,14 @@
     <p:sldId id="257" r:id="rId17"/>
     <p:sldId id="277" r:id="rId18"/>
     <p:sldId id="273" r:id="rId19"/>
+    <p:sldId id="279" r:id="rId20"/>
+    <p:sldId id="280" r:id="rId21"/>
+    <p:sldId id="283" r:id="rId22"/>
+    <p:sldId id="281" r:id="rId23"/>
+    <p:sldId id="284" r:id="rId24"/>
+    <p:sldId id="285" r:id="rId25"/>
+    <p:sldId id="286" r:id="rId26"/>
+    <p:sldId id="287" r:id="rId27"/>
   </p:sldIdLst>
   <p:sldSz cx="12192000" cy="6858000"/>
   <p:notesSz cx="6858000" cy="9144000"/>
@@ -3393,13 +3401,27 @@
         </p:nvSpPr>
         <p:spPr/>
         <p:txBody>
-          <a:bodyPr/>
+          <a:bodyPr>
+            <a:normAutofit fontScale="90000"/>
+          </a:bodyPr>
           <a:lstStyle/>
           <a:p>
             <a:r>
               <a:rPr lang="en-US" dirty="0"/>
               <a:t>PCA based 3D point cloud classification</a:t>
             </a:r>
+            <a:br>
+              <a:rPr lang="en-US" dirty="0"/>
+            </a:br>
+            <a:r>
+              <a:rPr lang="en-US" sz="2700" dirty="0"/>
+              <a:t>report for the course </a:t>
+            </a:r>
+            <a:r>
+              <a:rPr lang="fr-FR" sz="2700" dirty="0"/>
+              <a:t>Nuages de Points et Modélisation 3D (NPM)</a:t>
+            </a:r>
+            <a:endParaRPr lang="en-US" sz="2700" dirty="0"/>
           </a:p>
         </p:txBody>
       </p:sp>
@@ -3427,6 +3449,12 @@
             <a:r>
               <a:rPr lang="en-US" dirty="0"/>
               <a:t>Leman FENG</a:t>
+            </a:r>
+          </a:p>
+          <a:p>
+            <a:r>
+              <a:rPr lang="en-US" dirty="0"/>
+              <a:t>Mars 2018</a:t>
             </a:r>
           </a:p>
         </p:txBody>
@@ -5091,7 +5119,7 @@
           <a:lstStyle/>
           <a:p>
             <a:r>
-              <a:rPr lang="en-US" dirty="0"/>
+              <a:rPr lang="en-US" b="1" dirty="0"/>
               <a:t>Neighborhood’s Neighborhood</a:t>
             </a:r>
           </a:p>
@@ -15689,7 +15717,7 @@
         <p:spPr>
           <a:xfrm>
             <a:off x="838200" y="1825625"/>
-            <a:ext cx="7179365" cy="4351338"/>
+            <a:ext cx="10704443" cy="4351338"/>
           </a:xfrm>
         </p:spPr>
         <p:txBody>
@@ -15698,19 +15726,19 @@
           <a:p>
             <a:r>
               <a:rPr lang="en-US" dirty="0"/>
-              <a:t>No more hand-crafted features</a:t>
+              <a:t>Training and testing data shall not come from the same part of point cloud</a:t>
             </a:r>
           </a:p>
           <a:p>
             <a:r>
               <a:rPr lang="en-US" dirty="0"/>
-              <a:t>Raw normalized eigenvalues</a:t>
+              <a:t>But they should also be similar</a:t>
             </a:r>
           </a:p>
           <a:p>
             <a:r>
               <a:rPr lang="en-US" dirty="0"/>
-              <a:t>Plus density ratio to center ball</a:t>
+              <a:t>Solution: cut existing dataset into two parts</a:t>
             </a:r>
           </a:p>
         </p:txBody>
@@ -15766,16 +15794,158 @@
           <a:bodyPr/>
           <a:lstStyle/>
           <a:p>
-            <a:endParaRPr lang="en-US"/>
-          </a:p>
-        </p:txBody>
-      </p:sp>
-      <p:sp>
-        <p:nvSpPr>
-          <p:cNvPr id="3" name="内容占位符 2">
-            <a:extLst>
-              <a:ext uri="{FF2B5EF4-FFF2-40B4-BE49-F238E27FC236}">
-                <a16:creationId xmlns:a16="http://schemas.microsoft.com/office/drawing/2014/main" id="{D4FAC7F5-BFE1-4186-B087-C5F8522FA189}"/>
+            <a:r>
+              <a:rPr lang="en-US" dirty="0"/>
+              <a:t>Paris-Lille-3D dataset</a:t>
+            </a:r>
+            <a:r>
+              <a:rPr lang="en-US" baseline="30000" dirty="0"/>
+              <a:t>[1]</a:t>
+            </a:r>
+          </a:p>
+        </p:txBody>
+      </p:sp>
+      <p:pic>
+        <p:nvPicPr>
+          <p:cNvPr id="5" name="内容占位符 4" descr="图片包含 屏幕截图, 天空&#10;&#10;已生成高可信度的说明">
+            <a:extLst>
+              <a:ext uri="{FF2B5EF4-FFF2-40B4-BE49-F238E27FC236}">
+                <a16:creationId xmlns:a16="http://schemas.microsoft.com/office/drawing/2014/main" id="{5C35E2ED-E4C5-4A4F-A4FB-06F9171EA59E}"/>
+              </a:ext>
+            </a:extLst>
+          </p:cNvPr>
+          <p:cNvPicPr>
+            <a:picLocks noGrp="1" noChangeAspect="1"/>
+          </p:cNvPicPr>
+          <p:nvPr>
+            <p:ph idx="1"/>
+          </p:nvPr>
+        </p:nvPicPr>
+        <p:blipFill>
+          <a:blip r:embed="rId2">
+            <a:extLst>
+              <a:ext uri="{28A0092B-C50C-407E-A947-70E740481C1C}">
+                <a14:useLocalDpi xmlns:a14="http://schemas.microsoft.com/office/drawing/2010/main" val="0"/>
+              </a:ext>
+            </a:extLst>
+          </a:blip>
+          <a:stretch>
+            <a:fillRect/>
+          </a:stretch>
+        </p:blipFill>
+        <p:spPr>
+          <a:xfrm>
+            <a:off x="0" y="2266120"/>
+            <a:ext cx="12032598" cy="3564835"/>
+          </a:xfrm>
+          <a:prstGeom prst="rect">
+            <a:avLst/>
+          </a:prstGeom>
+        </p:spPr>
+      </p:pic>
+      <p:sp>
+        <p:nvSpPr>
+          <p:cNvPr id="6" name="文本框 5">
+            <a:extLst>
+              <a:ext uri="{FF2B5EF4-FFF2-40B4-BE49-F238E27FC236}">
+                <a16:creationId xmlns:a16="http://schemas.microsoft.com/office/drawing/2014/main" id="{7B014058-EAB5-40F3-9994-EC31322F0EB8}"/>
+              </a:ext>
+            </a:extLst>
+          </p:cNvPr>
+          <p:cNvSpPr txBox="1"/>
+          <p:nvPr/>
+        </p:nvSpPr>
+        <p:spPr>
+          <a:xfrm>
+            <a:off x="731518" y="5978769"/>
+            <a:ext cx="10846191" cy="646331"/>
+          </a:xfrm>
+          <a:prstGeom prst="rect">
+            <a:avLst/>
+          </a:prstGeom>
+          <a:noFill/>
+        </p:spPr>
+        <p:txBody>
+          <a:bodyPr wrap="square" rtlCol="0">
+            <a:spAutoFit/>
+          </a:bodyPr>
+          <a:lstStyle/>
+          <a:p>
+            <a:r>
+              <a:rPr lang="en-US" dirty="0"/>
+              <a:t>[1] X. </a:t>
+            </a:r>
+            <a:r>
+              <a:rPr lang="en-US" dirty="0" err="1"/>
+              <a:t>Roynard</a:t>
+            </a:r>
+            <a:r>
+              <a:rPr lang="en-US" dirty="0"/>
+              <a:t>, J.-E. </a:t>
+            </a:r>
+            <a:r>
+              <a:rPr lang="en-US" dirty="0" err="1"/>
+              <a:t>Deschaud</a:t>
+            </a:r>
+            <a:r>
+              <a:rPr lang="en-US" dirty="0"/>
+              <a:t>, and F. </a:t>
+            </a:r>
+            <a:r>
+              <a:rPr lang="en-US" dirty="0" err="1"/>
+              <a:t>Goulette</a:t>
+            </a:r>
+            <a:r>
+              <a:rPr lang="en-US" dirty="0"/>
+              <a:t>. Paris-lille-3d: a large and high-quality ground truth urban point cloud dataset for automatic segmentation and classification. </a:t>
+            </a:r>
+            <a:r>
+              <a:rPr lang="en-US" dirty="0" err="1"/>
+              <a:t>ArXiv</a:t>
+            </a:r>
+            <a:r>
+              <a:rPr lang="en-US" dirty="0"/>
+              <a:t> e-prints, November 2017.</a:t>
+            </a:r>
+          </a:p>
+        </p:txBody>
+      </p:sp>
+    </p:spTree>
+    <p:extLst>
+      <p:ext uri="{BB962C8B-B14F-4D97-AF65-F5344CB8AC3E}">
+        <p14:creationId xmlns:p14="http://schemas.microsoft.com/office/powerpoint/2010/main" val="215649511"/>
+      </p:ext>
+    </p:extLst>
+  </p:cSld>
+  <p:clrMapOvr>
+    <a:masterClrMapping/>
+  </p:clrMapOvr>
+</p:sld>
+</file>
+
+<file path=ppt/slides/slide19.xml><?xml version="1.0" encoding="utf-8"?>
+<p:sld xmlns:a="http://schemas.openxmlformats.org/drawingml/2006/main" xmlns:r="http://schemas.openxmlformats.org/officeDocument/2006/relationships" xmlns:p="http://schemas.openxmlformats.org/presentationml/2006/main">
+  <p:cSld>
+    <p:spTree>
+      <p:nvGrpSpPr>
+        <p:cNvPr id="1" name=""/>
+        <p:cNvGrpSpPr/>
+        <p:nvPr/>
+      </p:nvGrpSpPr>
+      <p:grpSpPr>
+        <a:xfrm>
+          <a:off x="0" y="0"/>
+          <a:ext cx="0" cy="0"/>
+          <a:chOff x="0" y="0"/>
+          <a:chExt cx="0" cy="0"/>
+        </a:xfrm>
+      </p:grpSpPr>
+      <p:sp>
+        <p:nvSpPr>
+          <p:cNvPr id="2" name="标题 1">
+            <a:extLst>
+              <a:ext uri="{FF2B5EF4-FFF2-40B4-BE49-F238E27FC236}">
+                <a16:creationId xmlns:a16="http://schemas.microsoft.com/office/drawing/2014/main" id="{371D5D8A-C374-47B4-9A4A-75D117769DC7}"/>
               </a:ext>
             </a:extLst>
           </p:cNvPr>
@@ -15783,22 +15953,61 @@
             <a:spLocks noGrp="1"/>
           </p:cNvSpPr>
           <p:nvPr>
+            <p:ph type="title"/>
+          </p:nvPr>
+        </p:nvSpPr>
+        <p:spPr/>
+        <p:txBody>
+          <a:bodyPr/>
+          <a:lstStyle/>
+          <a:p>
+            <a:r>
+              <a:rPr lang="en-US" dirty="0"/>
+              <a:t>Paris-Lille-3D dataset</a:t>
+            </a:r>
+            <a:endParaRPr lang="en-US" baseline="30000" dirty="0"/>
+          </a:p>
+        </p:txBody>
+      </p:sp>
+      <p:pic>
+        <p:nvPicPr>
+          <p:cNvPr id="8" name="内容占位符 7" descr="图片包含 室内&#10;&#10;已生成高可信度的说明">
+            <a:extLst>
+              <a:ext uri="{FF2B5EF4-FFF2-40B4-BE49-F238E27FC236}">
+                <a16:creationId xmlns:a16="http://schemas.microsoft.com/office/drawing/2014/main" id="{E7CCAD67-6063-4FBE-81B4-B3AE5652FD05}"/>
+              </a:ext>
+            </a:extLst>
+          </p:cNvPr>
+          <p:cNvPicPr>
+            <a:picLocks noGrp="1" noChangeAspect="1"/>
+          </p:cNvPicPr>
+          <p:nvPr>
             <p:ph idx="1"/>
           </p:nvPr>
-        </p:nvSpPr>
-        <p:spPr/>
-        <p:txBody>
-          <a:bodyPr/>
-          <a:lstStyle/>
-          <a:p>
-            <a:endParaRPr lang="en-US"/>
-          </a:p>
-        </p:txBody>
-      </p:sp>
+        </p:nvPicPr>
+        <p:blipFill>
+          <a:blip r:embed="rId2">
+            <a:extLst>
+              <a:ext uri="{28A0092B-C50C-407E-A947-70E740481C1C}">
+                <a14:useLocalDpi xmlns:a14="http://schemas.microsoft.com/office/drawing/2010/main" val="0"/>
+              </a:ext>
+            </a:extLst>
+          </a:blip>
+          <a:stretch>
+            <a:fillRect/>
+          </a:stretch>
+        </p:blipFill>
+        <p:spPr>
+          <a:xfrm>
+            <a:off x="2687715" y="1607066"/>
+            <a:ext cx="6160864" cy="5102363"/>
+          </a:xfrm>
+        </p:spPr>
+      </p:pic>
     </p:spTree>
     <p:extLst>
       <p:ext uri="{BB962C8B-B14F-4D97-AF65-F5344CB8AC3E}">
-        <p14:creationId xmlns:p14="http://schemas.microsoft.com/office/powerpoint/2010/main" val="215649511"/>
+        <p14:creationId xmlns:p14="http://schemas.microsoft.com/office/powerpoint/2010/main" val="1415105368"/>
       </p:ext>
     </p:extLst>
   </p:cSld>
@@ -16116,6 +16325,1956 @@
     <p:extLst>
       <p:ext uri="{BB962C8B-B14F-4D97-AF65-F5344CB8AC3E}">
         <p14:creationId xmlns:p14="http://schemas.microsoft.com/office/powerpoint/2010/main" val="292858998"/>
+      </p:ext>
+    </p:extLst>
+  </p:cSld>
+  <p:clrMapOvr>
+    <a:masterClrMapping/>
+  </p:clrMapOvr>
+</p:sld>
+</file>
+
+<file path=ppt/slides/slide20.xml><?xml version="1.0" encoding="utf-8"?>
+<p:sld xmlns:a="http://schemas.openxmlformats.org/drawingml/2006/main" xmlns:r="http://schemas.openxmlformats.org/officeDocument/2006/relationships" xmlns:p="http://schemas.openxmlformats.org/presentationml/2006/main">
+  <p:cSld>
+    <p:spTree>
+      <p:nvGrpSpPr>
+        <p:cNvPr id="1" name=""/>
+        <p:cNvGrpSpPr/>
+        <p:nvPr/>
+      </p:nvGrpSpPr>
+      <p:grpSpPr>
+        <a:xfrm>
+          <a:off x="0" y="0"/>
+          <a:ext cx="0" cy="0"/>
+          <a:chOff x="0" y="0"/>
+          <a:chExt cx="0" cy="0"/>
+        </a:xfrm>
+      </p:grpSpPr>
+      <p:sp>
+        <p:nvSpPr>
+          <p:cNvPr id="2" name="标题 1">
+            <a:extLst>
+              <a:ext uri="{FF2B5EF4-FFF2-40B4-BE49-F238E27FC236}">
+                <a16:creationId xmlns:a16="http://schemas.microsoft.com/office/drawing/2014/main" id="{E37ACCFC-94EE-4271-97D3-EC842B6F9428}"/>
+              </a:ext>
+            </a:extLst>
+          </p:cNvPr>
+          <p:cNvSpPr>
+            <a:spLocks noGrp="1"/>
+          </p:cNvSpPr>
+          <p:nvPr>
+            <p:ph type="title"/>
+          </p:nvPr>
+        </p:nvSpPr>
+        <p:spPr/>
+        <p:txBody>
+          <a:bodyPr>
+            <a:normAutofit/>
+          </a:bodyPr>
+          <a:lstStyle/>
+          <a:p>
+            <a:r>
+              <a:rPr lang="en-US" altLang="zh-CN" dirty="0"/>
+              <a:t>New ideas</a:t>
+            </a:r>
+            <a:br>
+              <a:rPr lang="en-US" altLang="zh-CN" dirty="0"/>
+            </a:br>
+            <a:r>
+              <a:rPr lang="en-US" altLang="zh-CN" dirty="0"/>
+              <a:t>	</a:t>
+            </a:r>
+            <a:r>
+              <a:rPr lang="en-US" altLang="zh-CN" sz="3600" dirty="0"/>
+              <a:t>Dataset</a:t>
+            </a:r>
+            <a:endParaRPr lang="en-US" dirty="0"/>
+          </a:p>
+        </p:txBody>
+      </p:sp>
+      <p:sp>
+        <p:nvSpPr>
+          <p:cNvPr id="5" name="内容占位符 2">
+            <a:extLst>
+              <a:ext uri="{FF2B5EF4-FFF2-40B4-BE49-F238E27FC236}">
+                <a16:creationId xmlns:a16="http://schemas.microsoft.com/office/drawing/2014/main" id="{4BD3AA28-6CB0-4E6C-83E9-B2D7A33C1868}"/>
+              </a:ext>
+            </a:extLst>
+          </p:cNvPr>
+          <p:cNvSpPr txBox="1">
+            <a:spLocks/>
+          </p:cNvSpPr>
+          <p:nvPr/>
+        </p:nvSpPr>
+        <p:spPr>
+          <a:xfrm>
+            <a:off x="6178826" y="1785869"/>
+            <a:ext cx="5098774" cy="4351338"/>
+          </a:xfrm>
+          <a:prstGeom prst="rect">
+            <a:avLst/>
+          </a:prstGeom>
+        </p:spPr>
+        <p:txBody>
+          <a:bodyPr vert="horz" lIns="91440" tIns="45720" rIns="91440" bIns="45720" rtlCol="0">
+            <a:normAutofit/>
+          </a:bodyPr>
+          <a:lstStyle>
+            <a:lvl1pPr marL="228600" indent="-228600" algn="l" defTabSz="914400" rtl="0" eaLnBrk="1" latinLnBrk="0" hangingPunct="1">
+              <a:lnSpc>
+                <a:spcPct val="90000"/>
+              </a:lnSpc>
+              <a:spcBef>
+                <a:spcPts val="1000"/>
+              </a:spcBef>
+              <a:buFont typeface="Arial" panose="020B0604020202020204" pitchFamily="34" charset="0"/>
+              <a:buChar char="•"/>
+              <a:defRPr sz="2800" kern="1200">
+                <a:solidFill>
+                  <a:schemeClr val="tx1"/>
+                </a:solidFill>
+                <a:latin typeface="+mn-lt"/>
+                <a:ea typeface="+mn-ea"/>
+                <a:cs typeface="+mn-cs"/>
+              </a:defRPr>
+            </a:lvl1pPr>
+            <a:lvl2pPr marL="685800" indent="-228600" algn="l" defTabSz="914400" rtl="0" eaLnBrk="1" latinLnBrk="0" hangingPunct="1">
+              <a:lnSpc>
+                <a:spcPct val="90000"/>
+              </a:lnSpc>
+              <a:spcBef>
+                <a:spcPts val="500"/>
+              </a:spcBef>
+              <a:buFont typeface="Arial" panose="020B0604020202020204" pitchFamily="34" charset="0"/>
+              <a:buChar char="•"/>
+              <a:defRPr sz="2400" kern="1200">
+                <a:solidFill>
+                  <a:schemeClr val="tx1"/>
+                </a:solidFill>
+                <a:latin typeface="+mn-lt"/>
+                <a:ea typeface="+mn-ea"/>
+                <a:cs typeface="+mn-cs"/>
+              </a:defRPr>
+            </a:lvl2pPr>
+            <a:lvl3pPr marL="1143000" indent="-228600" algn="l" defTabSz="914400" rtl="0" eaLnBrk="1" latinLnBrk="0" hangingPunct="1">
+              <a:lnSpc>
+                <a:spcPct val="90000"/>
+              </a:lnSpc>
+              <a:spcBef>
+                <a:spcPts val="500"/>
+              </a:spcBef>
+              <a:buFont typeface="Arial" panose="020B0604020202020204" pitchFamily="34" charset="0"/>
+              <a:buChar char="•"/>
+              <a:defRPr sz="2000" kern="1200">
+                <a:solidFill>
+                  <a:schemeClr val="tx1"/>
+                </a:solidFill>
+                <a:latin typeface="+mn-lt"/>
+                <a:ea typeface="+mn-ea"/>
+                <a:cs typeface="+mn-cs"/>
+              </a:defRPr>
+            </a:lvl3pPr>
+            <a:lvl4pPr marL="1600200" indent="-228600" algn="l" defTabSz="914400" rtl="0" eaLnBrk="1" latinLnBrk="0" hangingPunct="1">
+              <a:lnSpc>
+                <a:spcPct val="90000"/>
+              </a:lnSpc>
+              <a:spcBef>
+                <a:spcPts val="500"/>
+              </a:spcBef>
+              <a:buFont typeface="Arial" panose="020B0604020202020204" pitchFamily="34" charset="0"/>
+              <a:buChar char="•"/>
+              <a:defRPr sz="1800" kern="1200">
+                <a:solidFill>
+                  <a:schemeClr val="tx1"/>
+                </a:solidFill>
+                <a:latin typeface="+mn-lt"/>
+                <a:ea typeface="+mn-ea"/>
+                <a:cs typeface="+mn-cs"/>
+              </a:defRPr>
+            </a:lvl4pPr>
+            <a:lvl5pPr marL="2057400" indent="-228600" algn="l" defTabSz="914400" rtl="0" eaLnBrk="1" latinLnBrk="0" hangingPunct="1">
+              <a:lnSpc>
+                <a:spcPct val="90000"/>
+              </a:lnSpc>
+              <a:spcBef>
+                <a:spcPts val="500"/>
+              </a:spcBef>
+              <a:buFont typeface="Arial" panose="020B0604020202020204" pitchFamily="34" charset="0"/>
+              <a:buChar char="•"/>
+              <a:defRPr sz="1800" kern="1200">
+                <a:solidFill>
+                  <a:schemeClr val="tx1"/>
+                </a:solidFill>
+                <a:latin typeface="+mn-lt"/>
+                <a:ea typeface="+mn-ea"/>
+                <a:cs typeface="+mn-cs"/>
+              </a:defRPr>
+            </a:lvl5pPr>
+            <a:lvl6pPr marL="2514600" indent="-228600" algn="l" defTabSz="914400" rtl="0" eaLnBrk="1" latinLnBrk="0" hangingPunct="1">
+              <a:lnSpc>
+                <a:spcPct val="90000"/>
+              </a:lnSpc>
+              <a:spcBef>
+                <a:spcPts val="500"/>
+              </a:spcBef>
+              <a:buFont typeface="Arial" panose="020B0604020202020204" pitchFamily="34" charset="0"/>
+              <a:buChar char="•"/>
+              <a:defRPr sz="1800" kern="1200">
+                <a:solidFill>
+                  <a:schemeClr val="tx1"/>
+                </a:solidFill>
+                <a:latin typeface="+mn-lt"/>
+                <a:ea typeface="+mn-ea"/>
+                <a:cs typeface="+mn-cs"/>
+              </a:defRPr>
+            </a:lvl6pPr>
+            <a:lvl7pPr marL="2971800" indent="-228600" algn="l" defTabSz="914400" rtl="0" eaLnBrk="1" latinLnBrk="0" hangingPunct="1">
+              <a:lnSpc>
+                <a:spcPct val="90000"/>
+              </a:lnSpc>
+              <a:spcBef>
+                <a:spcPts val="500"/>
+              </a:spcBef>
+              <a:buFont typeface="Arial" panose="020B0604020202020204" pitchFamily="34" charset="0"/>
+              <a:buChar char="•"/>
+              <a:defRPr sz="1800" kern="1200">
+                <a:solidFill>
+                  <a:schemeClr val="tx1"/>
+                </a:solidFill>
+                <a:latin typeface="+mn-lt"/>
+                <a:ea typeface="+mn-ea"/>
+                <a:cs typeface="+mn-cs"/>
+              </a:defRPr>
+            </a:lvl7pPr>
+            <a:lvl8pPr marL="3429000" indent="-228600" algn="l" defTabSz="914400" rtl="0" eaLnBrk="1" latinLnBrk="0" hangingPunct="1">
+              <a:lnSpc>
+                <a:spcPct val="90000"/>
+              </a:lnSpc>
+              <a:spcBef>
+                <a:spcPts val="500"/>
+              </a:spcBef>
+              <a:buFont typeface="Arial" panose="020B0604020202020204" pitchFamily="34" charset="0"/>
+              <a:buChar char="•"/>
+              <a:defRPr sz="1800" kern="1200">
+                <a:solidFill>
+                  <a:schemeClr val="tx1"/>
+                </a:solidFill>
+                <a:latin typeface="+mn-lt"/>
+                <a:ea typeface="+mn-ea"/>
+                <a:cs typeface="+mn-cs"/>
+              </a:defRPr>
+            </a:lvl8pPr>
+            <a:lvl9pPr marL="3886200" indent="-228600" algn="l" defTabSz="914400" rtl="0" eaLnBrk="1" latinLnBrk="0" hangingPunct="1">
+              <a:lnSpc>
+                <a:spcPct val="90000"/>
+              </a:lnSpc>
+              <a:spcBef>
+                <a:spcPts val="500"/>
+              </a:spcBef>
+              <a:buFont typeface="Arial" panose="020B0604020202020204" pitchFamily="34" charset="0"/>
+              <a:buChar char="•"/>
+              <a:defRPr sz="1800" kern="1200">
+                <a:solidFill>
+                  <a:schemeClr val="tx1"/>
+                </a:solidFill>
+                <a:latin typeface="+mn-lt"/>
+                <a:ea typeface="+mn-ea"/>
+                <a:cs typeface="+mn-cs"/>
+              </a:defRPr>
+            </a:lvl9pPr>
+          </a:lstStyle>
+          <a:p>
+            <a:endParaRPr lang="en-US" dirty="0"/>
+          </a:p>
+        </p:txBody>
+      </p:sp>
+      <p:sp>
+        <p:nvSpPr>
+          <p:cNvPr id="7" name="内容占位符 6">
+            <a:extLst>
+              <a:ext uri="{FF2B5EF4-FFF2-40B4-BE49-F238E27FC236}">
+                <a16:creationId xmlns:a16="http://schemas.microsoft.com/office/drawing/2014/main" id="{64FA6CF2-AD76-4B62-8744-4F4C0862FE02}"/>
+              </a:ext>
+            </a:extLst>
+          </p:cNvPr>
+          <p:cNvSpPr>
+            <a:spLocks noGrp="1"/>
+          </p:cNvSpPr>
+          <p:nvPr>
+            <p:ph idx="1"/>
+          </p:nvPr>
+        </p:nvSpPr>
+        <p:spPr>
+          <a:xfrm>
+            <a:off x="838201" y="1825625"/>
+            <a:ext cx="3846342" cy="4351338"/>
+          </a:xfrm>
+        </p:spPr>
+        <p:txBody>
+          <a:bodyPr/>
+          <a:lstStyle/>
+          <a:p>
+            <a:r>
+              <a:rPr lang="en-US" dirty="0"/>
+              <a:t>Remapping of class labels</a:t>
+            </a:r>
+          </a:p>
+        </p:txBody>
+      </p:sp>
+      <p:pic>
+        <p:nvPicPr>
+          <p:cNvPr id="3" name="图片 2">
+            <a:extLst>
+              <a:ext uri="{FF2B5EF4-FFF2-40B4-BE49-F238E27FC236}">
+                <a16:creationId xmlns:a16="http://schemas.microsoft.com/office/drawing/2014/main" id="{C5EE2BC8-81A2-40FD-8B99-6ED8FEE041A5}"/>
+              </a:ext>
+            </a:extLst>
+          </p:cNvPr>
+          <p:cNvPicPr>
+            <a:picLocks noChangeAspect="1"/>
+          </p:cNvPicPr>
+          <p:nvPr/>
+        </p:nvPicPr>
+        <p:blipFill rotWithShape="1">
+          <a:blip r:embed="rId2"/>
+          <a:srcRect l="28846" t="23000" r="30308" b="13792"/>
+          <a:stretch/>
+        </p:blipFill>
+        <p:spPr>
+          <a:xfrm>
+            <a:off x="4670474" y="534492"/>
+            <a:ext cx="7216726" cy="6049188"/>
+          </a:xfrm>
+          <a:prstGeom prst="rect">
+            <a:avLst/>
+          </a:prstGeom>
+        </p:spPr>
+      </p:pic>
+    </p:spTree>
+    <p:extLst>
+      <p:ext uri="{BB962C8B-B14F-4D97-AF65-F5344CB8AC3E}">
+        <p14:creationId xmlns:p14="http://schemas.microsoft.com/office/powerpoint/2010/main" val="2557106091"/>
+      </p:ext>
+    </p:extLst>
+  </p:cSld>
+  <p:clrMapOvr>
+    <a:masterClrMapping/>
+  </p:clrMapOvr>
+</p:sld>
+</file>
+
+<file path=ppt/slides/slide21.xml><?xml version="1.0" encoding="utf-8"?>
+<p:sld xmlns:a="http://schemas.openxmlformats.org/drawingml/2006/main" xmlns:r="http://schemas.openxmlformats.org/officeDocument/2006/relationships" xmlns:p="http://schemas.openxmlformats.org/presentationml/2006/main">
+  <p:cSld>
+    <p:spTree>
+      <p:nvGrpSpPr>
+        <p:cNvPr id="1" name=""/>
+        <p:cNvGrpSpPr/>
+        <p:nvPr/>
+      </p:nvGrpSpPr>
+      <p:grpSpPr>
+        <a:xfrm>
+          <a:off x="0" y="0"/>
+          <a:ext cx="0" cy="0"/>
+          <a:chOff x="0" y="0"/>
+          <a:chExt cx="0" cy="0"/>
+        </a:xfrm>
+      </p:grpSpPr>
+      <p:sp>
+        <p:nvSpPr>
+          <p:cNvPr id="2" name="标题 1">
+            <a:extLst>
+              <a:ext uri="{FF2B5EF4-FFF2-40B4-BE49-F238E27FC236}">
+                <a16:creationId xmlns:a16="http://schemas.microsoft.com/office/drawing/2014/main" id="{E37ACCFC-94EE-4271-97D3-EC842B6F9428}"/>
+              </a:ext>
+            </a:extLst>
+          </p:cNvPr>
+          <p:cNvSpPr>
+            <a:spLocks noGrp="1"/>
+          </p:cNvSpPr>
+          <p:nvPr>
+            <p:ph type="title"/>
+          </p:nvPr>
+        </p:nvSpPr>
+        <p:spPr/>
+        <p:txBody>
+          <a:bodyPr>
+            <a:normAutofit/>
+          </a:bodyPr>
+          <a:lstStyle/>
+          <a:p>
+            <a:r>
+              <a:rPr lang="en-US" altLang="zh-CN" dirty="0"/>
+              <a:t>New ideas</a:t>
+            </a:r>
+            <a:br>
+              <a:rPr lang="en-US" altLang="zh-CN" dirty="0"/>
+            </a:br>
+            <a:r>
+              <a:rPr lang="en-US" altLang="zh-CN" dirty="0"/>
+              <a:t>	</a:t>
+            </a:r>
+            <a:r>
+              <a:rPr lang="en-US" altLang="zh-CN" sz="3600" dirty="0"/>
+              <a:t>Dataset</a:t>
+            </a:r>
+            <a:endParaRPr lang="en-US" dirty="0"/>
+          </a:p>
+        </p:txBody>
+      </p:sp>
+      <p:sp>
+        <p:nvSpPr>
+          <p:cNvPr id="5" name="内容占位符 2">
+            <a:extLst>
+              <a:ext uri="{FF2B5EF4-FFF2-40B4-BE49-F238E27FC236}">
+                <a16:creationId xmlns:a16="http://schemas.microsoft.com/office/drawing/2014/main" id="{4BD3AA28-6CB0-4E6C-83E9-B2D7A33C1868}"/>
+              </a:ext>
+            </a:extLst>
+          </p:cNvPr>
+          <p:cNvSpPr txBox="1">
+            <a:spLocks/>
+          </p:cNvSpPr>
+          <p:nvPr/>
+        </p:nvSpPr>
+        <p:spPr>
+          <a:xfrm>
+            <a:off x="6178826" y="1785869"/>
+            <a:ext cx="5098774" cy="4351338"/>
+          </a:xfrm>
+          <a:prstGeom prst="rect">
+            <a:avLst/>
+          </a:prstGeom>
+        </p:spPr>
+        <p:txBody>
+          <a:bodyPr vert="horz" lIns="91440" tIns="45720" rIns="91440" bIns="45720" rtlCol="0">
+            <a:normAutofit/>
+          </a:bodyPr>
+          <a:lstStyle>
+            <a:lvl1pPr marL="228600" indent="-228600" algn="l" defTabSz="914400" rtl="0" eaLnBrk="1" latinLnBrk="0" hangingPunct="1">
+              <a:lnSpc>
+                <a:spcPct val="90000"/>
+              </a:lnSpc>
+              <a:spcBef>
+                <a:spcPts val="1000"/>
+              </a:spcBef>
+              <a:buFont typeface="Arial" panose="020B0604020202020204" pitchFamily="34" charset="0"/>
+              <a:buChar char="•"/>
+              <a:defRPr sz="2800" kern="1200">
+                <a:solidFill>
+                  <a:schemeClr val="tx1"/>
+                </a:solidFill>
+                <a:latin typeface="+mn-lt"/>
+                <a:ea typeface="+mn-ea"/>
+                <a:cs typeface="+mn-cs"/>
+              </a:defRPr>
+            </a:lvl1pPr>
+            <a:lvl2pPr marL="685800" indent="-228600" algn="l" defTabSz="914400" rtl="0" eaLnBrk="1" latinLnBrk="0" hangingPunct="1">
+              <a:lnSpc>
+                <a:spcPct val="90000"/>
+              </a:lnSpc>
+              <a:spcBef>
+                <a:spcPts val="500"/>
+              </a:spcBef>
+              <a:buFont typeface="Arial" panose="020B0604020202020204" pitchFamily="34" charset="0"/>
+              <a:buChar char="•"/>
+              <a:defRPr sz="2400" kern="1200">
+                <a:solidFill>
+                  <a:schemeClr val="tx1"/>
+                </a:solidFill>
+                <a:latin typeface="+mn-lt"/>
+                <a:ea typeface="+mn-ea"/>
+                <a:cs typeface="+mn-cs"/>
+              </a:defRPr>
+            </a:lvl2pPr>
+            <a:lvl3pPr marL="1143000" indent="-228600" algn="l" defTabSz="914400" rtl="0" eaLnBrk="1" latinLnBrk="0" hangingPunct="1">
+              <a:lnSpc>
+                <a:spcPct val="90000"/>
+              </a:lnSpc>
+              <a:spcBef>
+                <a:spcPts val="500"/>
+              </a:spcBef>
+              <a:buFont typeface="Arial" panose="020B0604020202020204" pitchFamily="34" charset="0"/>
+              <a:buChar char="•"/>
+              <a:defRPr sz="2000" kern="1200">
+                <a:solidFill>
+                  <a:schemeClr val="tx1"/>
+                </a:solidFill>
+                <a:latin typeface="+mn-lt"/>
+                <a:ea typeface="+mn-ea"/>
+                <a:cs typeface="+mn-cs"/>
+              </a:defRPr>
+            </a:lvl3pPr>
+            <a:lvl4pPr marL="1600200" indent="-228600" algn="l" defTabSz="914400" rtl="0" eaLnBrk="1" latinLnBrk="0" hangingPunct="1">
+              <a:lnSpc>
+                <a:spcPct val="90000"/>
+              </a:lnSpc>
+              <a:spcBef>
+                <a:spcPts val="500"/>
+              </a:spcBef>
+              <a:buFont typeface="Arial" panose="020B0604020202020204" pitchFamily="34" charset="0"/>
+              <a:buChar char="•"/>
+              <a:defRPr sz="1800" kern="1200">
+                <a:solidFill>
+                  <a:schemeClr val="tx1"/>
+                </a:solidFill>
+                <a:latin typeface="+mn-lt"/>
+                <a:ea typeface="+mn-ea"/>
+                <a:cs typeface="+mn-cs"/>
+              </a:defRPr>
+            </a:lvl4pPr>
+            <a:lvl5pPr marL="2057400" indent="-228600" algn="l" defTabSz="914400" rtl="0" eaLnBrk="1" latinLnBrk="0" hangingPunct="1">
+              <a:lnSpc>
+                <a:spcPct val="90000"/>
+              </a:lnSpc>
+              <a:spcBef>
+                <a:spcPts val="500"/>
+              </a:spcBef>
+              <a:buFont typeface="Arial" panose="020B0604020202020204" pitchFamily="34" charset="0"/>
+              <a:buChar char="•"/>
+              <a:defRPr sz="1800" kern="1200">
+                <a:solidFill>
+                  <a:schemeClr val="tx1"/>
+                </a:solidFill>
+                <a:latin typeface="+mn-lt"/>
+                <a:ea typeface="+mn-ea"/>
+                <a:cs typeface="+mn-cs"/>
+              </a:defRPr>
+            </a:lvl5pPr>
+            <a:lvl6pPr marL="2514600" indent="-228600" algn="l" defTabSz="914400" rtl="0" eaLnBrk="1" latinLnBrk="0" hangingPunct="1">
+              <a:lnSpc>
+                <a:spcPct val="90000"/>
+              </a:lnSpc>
+              <a:spcBef>
+                <a:spcPts val="500"/>
+              </a:spcBef>
+              <a:buFont typeface="Arial" panose="020B0604020202020204" pitchFamily="34" charset="0"/>
+              <a:buChar char="•"/>
+              <a:defRPr sz="1800" kern="1200">
+                <a:solidFill>
+                  <a:schemeClr val="tx1"/>
+                </a:solidFill>
+                <a:latin typeface="+mn-lt"/>
+                <a:ea typeface="+mn-ea"/>
+                <a:cs typeface="+mn-cs"/>
+              </a:defRPr>
+            </a:lvl6pPr>
+            <a:lvl7pPr marL="2971800" indent="-228600" algn="l" defTabSz="914400" rtl="0" eaLnBrk="1" latinLnBrk="0" hangingPunct="1">
+              <a:lnSpc>
+                <a:spcPct val="90000"/>
+              </a:lnSpc>
+              <a:spcBef>
+                <a:spcPts val="500"/>
+              </a:spcBef>
+              <a:buFont typeface="Arial" panose="020B0604020202020204" pitchFamily="34" charset="0"/>
+              <a:buChar char="•"/>
+              <a:defRPr sz="1800" kern="1200">
+                <a:solidFill>
+                  <a:schemeClr val="tx1"/>
+                </a:solidFill>
+                <a:latin typeface="+mn-lt"/>
+                <a:ea typeface="+mn-ea"/>
+                <a:cs typeface="+mn-cs"/>
+              </a:defRPr>
+            </a:lvl7pPr>
+            <a:lvl8pPr marL="3429000" indent="-228600" algn="l" defTabSz="914400" rtl="0" eaLnBrk="1" latinLnBrk="0" hangingPunct="1">
+              <a:lnSpc>
+                <a:spcPct val="90000"/>
+              </a:lnSpc>
+              <a:spcBef>
+                <a:spcPts val="500"/>
+              </a:spcBef>
+              <a:buFont typeface="Arial" panose="020B0604020202020204" pitchFamily="34" charset="0"/>
+              <a:buChar char="•"/>
+              <a:defRPr sz="1800" kern="1200">
+                <a:solidFill>
+                  <a:schemeClr val="tx1"/>
+                </a:solidFill>
+                <a:latin typeface="+mn-lt"/>
+                <a:ea typeface="+mn-ea"/>
+                <a:cs typeface="+mn-cs"/>
+              </a:defRPr>
+            </a:lvl8pPr>
+            <a:lvl9pPr marL="3886200" indent="-228600" algn="l" defTabSz="914400" rtl="0" eaLnBrk="1" latinLnBrk="0" hangingPunct="1">
+              <a:lnSpc>
+                <a:spcPct val="90000"/>
+              </a:lnSpc>
+              <a:spcBef>
+                <a:spcPts val="500"/>
+              </a:spcBef>
+              <a:buFont typeface="Arial" panose="020B0604020202020204" pitchFamily="34" charset="0"/>
+              <a:buChar char="•"/>
+              <a:defRPr sz="1800" kern="1200">
+                <a:solidFill>
+                  <a:schemeClr val="tx1"/>
+                </a:solidFill>
+                <a:latin typeface="+mn-lt"/>
+                <a:ea typeface="+mn-ea"/>
+                <a:cs typeface="+mn-cs"/>
+              </a:defRPr>
+            </a:lvl9pPr>
+          </a:lstStyle>
+          <a:p>
+            <a:endParaRPr lang="en-US" dirty="0"/>
+          </a:p>
+        </p:txBody>
+      </p:sp>
+      <p:sp>
+        <p:nvSpPr>
+          <p:cNvPr id="7" name="内容占位符 6">
+            <a:extLst>
+              <a:ext uri="{FF2B5EF4-FFF2-40B4-BE49-F238E27FC236}">
+                <a16:creationId xmlns:a16="http://schemas.microsoft.com/office/drawing/2014/main" id="{64FA6CF2-AD76-4B62-8744-4F4C0862FE02}"/>
+              </a:ext>
+            </a:extLst>
+          </p:cNvPr>
+          <p:cNvSpPr>
+            <a:spLocks noGrp="1"/>
+          </p:cNvSpPr>
+          <p:nvPr>
+            <p:ph idx="1"/>
+          </p:nvPr>
+        </p:nvSpPr>
+        <p:spPr>
+          <a:xfrm>
+            <a:off x="838200" y="1825625"/>
+            <a:ext cx="11062251" cy="1394653"/>
+          </a:xfrm>
+        </p:spPr>
+        <p:txBody>
+          <a:bodyPr/>
+          <a:lstStyle/>
+          <a:p>
+            <a:r>
+              <a:rPr lang="en-US" dirty="0"/>
+              <a:t>Training and testing data number, from resp. part A and part B</a:t>
+            </a:r>
+          </a:p>
+        </p:txBody>
+      </p:sp>
+      <p:pic>
+        <p:nvPicPr>
+          <p:cNvPr id="4" name="图片 3">
+            <a:extLst>
+              <a:ext uri="{FF2B5EF4-FFF2-40B4-BE49-F238E27FC236}">
+                <a16:creationId xmlns:a16="http://schemas.microsoft.com/office/drawing/2014/main" id="{4A2B5408-4524-4BFE-8450-9CAB88EA5B98}"/>
+              </a:ext>
+            </a:extLst>
+          </p:cNvPr>
+          <p:cNvPicPr>
+            <a:picLocks noChangeAspect="1"/>
+          </p:cNvPicPr>
+          <p:nvPr/>
+        </p:nvPicPr>
+        <p:blipFill rotWithShape="1">
+          <a:blip r:embed="rId2"/>
+          <a:srcRect l="11308" t="34716" r="12423" b="53568"/>
+          <a:stretch/>
+        </p:blipFill>
+        <p:spPr>
+          <a:xfrm>
+            <a:off x="276257" y="2590085"/>
+            <a:ext cx="11496614" cy="956603"/>
+          </a:xfrm>
+          <a:prstGeom prst="rect">
+            <a:avLst/>
+          </a:prstGeom>
+        </p:spPr>
+      </p:pic>
+    </p:spTree>
+    <p:extLst>
+      <p:ext uri="{BB962C8B-B14F-4D97-AF65-F5344CB8AC3E}">
+        <p14:creationId xmlns:p14="http://schemas.microsoft.com/office/powerpoint/2010/main" val="2535005689"/>
+      </p:ext>
+    </p:extLst>
+  </p:cSld>
+  <p:clrMapOvr>
+    <a:masterClrMapping/>
+  </p:clrMapOvr>
+</p:sld>
+</file>
+
+<file path=ppt/slides/slide22.xml><?xml version="1.0" encoding="utf-8"?>
+<p:sld xmlns:a="http://schemas.openxmlformats.org/drawingml/2006/main" xmlns:r="http://schemas.openxmlformats.org/officeDocument/2006/relationships" xmlns:p="http://schemas.openxmlformats.org/presentationml/2006/main">
+  <p:cSld>
+    <p:spTree>
+      <p:nvGrpSpPr>
+        <p:cNvPr id="1" name=""/>
+        <p:cNvGrpSpPr/>
+        <p:nvPr/>
+      </p:nvGrpSpPr>
+      <p:grpSpPr>
+        <a:xfrm>
+          <a:off x="0" y="0"/>
+          <a:ext cx="0" cy="0"/>
+          <a:chOff x="0" y="0"/>
+          <a:chExt cx="0" cy="0"/>
+        </a:xfrm>
+      </p:grpSpPr>
+      <p:sp>
+        <p:nvSpPr>
+          <p:cNvPr id="2" name="标题 1">
+            <a:extLst>
+              <a:ext uri="{FF2B5EF4-FFF2-40B4-BE49-F238E27FC236}">
+                <a16:creationId xmlns:a16="http://schemas.microsoft.com/office/drawing/2014/main" id="{E37ACCFC-94EE-4271-97D3-EC842B6F9428}"/>
+              </a:ext>
+            </a:extLst>
+          </p:cNvPr>
+          <p:cNvSpPr>
+            <a:spLocks noGrp="1"/>
+          </p:cNvSpPr>
+          <p:nvPr>
+            <p:ph type="title"/>
+          </p:nvPr>
+        </p:nvSpPr>
+        <p:spPr/>
+        <p:txBody>
+          <a:bodyPr>
+            <a:normAutofit/>
+          </a:bodyPr>
+          <a:lstStyle/>
+          <a:p>
+            <a:r>
+              <a:rPr lang="en-US" altLang="zh-CN" dirty="0"/>
+              <a:t>New ideas</a:t>
+            </a:r>
+            <a:br>
+              <a:rPr lang="en-US" altLang="zh-CN" dirty="0"/>
+            </a:br>
+            <a:r>
+              <a:rPr lang="en-US" altLang="zh-CN" dirty="0"/>
+              <a:t>	</a:t>
+            </a:r>
+            <a:r>
+              <a:rPr lang="en-US" altLang="zh-CN" sz="3600" dirty="0"/>
+              <a:t>Result</a:t>
+            </a:r>
+            <a:endParaRPr lang="en-US" dirty="0"/>
+          </a:p>
+        </p:txBody>
+      </p:sp>
+      <p:sp>
+        <p:nvSpPr>
+          <p:cNvPr id="5" name="内容占位符 2">
+            <a:extLst>
+              <a:ext uri="{FF2B5EF4-FFF2-40B4-BE49-F238E27FC236}">
+                <a16:creationId xmlns:a16="http://schemas.microsoft.com/office/drawing/2014/main" id="{4BD3AA28-6CB0-4E6C-83E9-B2D7A33C1868}"/>
+              </a:ext>
+            </a:extLst>
+          </p:cNvPr>
+          <p:cNvSpPr txBox="1">
+            <a:spLocks/>
+          </p:cNvSpPr>
+          <p:nvPr/>
+        </p:nvSpPr>
+        <p:spPr>
+          <a:xfrm>
+            <a:off x="6178826" y="1785869"/>
+            <a:ext cx="5098774" cy="4351338"/>
+          </a:xfrm>
+          <a:prstGeom prst="rect">
+            <a:avLst/>
+          </a:prstGeom>
+        </p:spPr>
+        <p:txBody>
+          <a:bodyPr vert="horz" lIns="91440" tIns="45720" rIns="91440" bIns="45720" rtlCol="0">
+            <a:normAutofit/>
+          </a:bodyPr>
+          <a:lstStyle>
+            <a:lvl1pPr marL="228600" indent="-228600" algn="l" defTabSz="914400" rtl="0" eaLnBrk="1" latinLnBrk="0" hangingPunct="1">
+              <a:lnSpc>
+                <a:spcPct val="90000"/>
+              </a:lnSpc>
+              <a:spcBef>
+                <a:spcPts val="1000"/>
+              </a:spcBef>
+              <a:buFont typeface="Arial" panose="020B0604020202020204" pitchFamily="34" charset="0"/>
+              <a:buChar char="•"/>
+              <a:defRPr sz="2800" kern="1200">
+                <a:solidFill>
+                  <a:schemeClr val="tx1"/>
+                </a:solidFill>
+                <a:latin typeface="+mn-lt"/>
+                <a:ea typeface="+mn-ea"/>
+                <a:cs typeface="+mn-cs"/>
+              </a:defRPr>
+            </a:lvl1pPr>
+            <a:lvl2pPr marL="685800" indent="-228600" algn="l" defTabSz="914400" rtl="0" eaLnBrk="1" latinLnBrk="0" hangingPunct="1">
+              <a:lnSpc>
+                <a:spcPct val="90000"/>
+              </a:lnSpc>
+              <a:spcBef>
+                <a:spcPts val="500"/>
+              </a:spcBef>
+              <a:buFont typeface="Arial" panose="020B0604020202020204" pitchFamily="34" charset="0"/>
+              <a:buChar char="•"/>
+              <a:defRPr sz="2400" kern="1200">
+                <a:solidFill>
+                  <a:schemeClr val="tx1"/>
+                </a:solidFill>
+                <a:latin typeface="+mn-lt"/>
+                <a:ea typeface="+mn-ea"/>
+                <a:cs typeface="+mn-cs"/>
+              </a:defRPr>
+            </a:lvl2pPr>
+            <a:lvl3pPr marL="1143000" indent="-228600" algn="l" defTabSz="914400" rtl="0" eaLnBrk="1" latinLnBrk="0" hangingPunct="1">
+              <a:lnSpc>
+                <a:spcPct val="90000"/>
+              </a:lnSpc>
+              <a:spcBef>
+                <a:spcPts val="500"/>
+              </a:spcBef>
+              <a:buFont typeface="Arial" panose="020B0604020202020204" pitchFamily="34" charset="0"/>
+              <a:buChar char="•"/>
+              <a:defRPr sz="2000" kern="1200">
+                <a:solidFill>
+                  <a:schemeClr val="tx1"/>
+                </a:solidFill>
+                <a:latin typeface="+mn-lt"/>
+                <a:ea typeface="+mn-ea"/>
+                <a:cs typeface="+mn-cs"/>
+              </a:defRPr>
+            </a:lvl3pPr>
+            <a:lvl4pPr marL="1600200" indent="-228600" algn="l" defTabSz="914400" rtl="0" eaLnBrk="1" latinLnBrk="0" hangingPunct="1">
+              <a:lnSpc>
+                <a:spcPct val="90000"/>
+              </a:lnSpc>
+              <a:spcBef>
+                <a:spcPts val="500"/>
+              </a:spcBef>
+              <a:buFont typeface="Arial" panose="020B0604020202020204" pitchFamily="34" charset="0"/>
+              <a:buChar char="•"/>
+              <a:defRPr sz="1800" kern="1200">
+                <a:solidFill>
+                  <a:schemeClr val="tx1"/>
+                </a:solidFill>
+                <a:latin typeface="+mn-lt"/>
+                <a:ea typeface="+mn-ea"/>
+                <a:cs typeface="+mn-cs"/>
+              </a:defRPr>
+            </a:lvl4pPr>
+            <a:lvl5pPr marL="2057400" indent="-228600" algn="l" defTabSz="914400" rtl="0" eaLnBrk="1" latinLnBrk="0" hangingPunct="1">
+              <a:lnSpc>
+                <a:spcPct val="90000"/>
+              </a:lnSpc>
+              <a:spcBef>
+                <a:spcPts val="500"/>
+              </a:spcBef>
+              <a:buFont typeface="Arial" panose="020B0604020202020204" pitchFamily="34" charset="0"/>
+              <a:buChar char="•"/>
+              <a:defRPr sz="1800" kern="1200">
+                <a:solidFill>
+                  <a:schemeClr val="tx1"/>
+                </a:solidFill>
+                <a:latin typeface="+mn-lt"/>
+                <a:ea typeface="+mn-ea"/>
+                <a:cs typeface="+mn-cs"/>
+              </a:defRPr>
+            </a:lvl5pPr>
+            <a:lvl6pPr marL="2514600" indent="-228600" algn="l" defTabSz="914400" rtl="0" eaLnBrk="1" latinLnBrk="0" hangingPunct="1">
+              <a:lnSpc>
+                <a:spcPct val="90000"/>
+              </a:lnSpc>
+              <a:spcBef>
+                <a:spcPts val="500"/>
+              </a:spcBef>
+              <a:buFont typeface="Arial" panose="020B0604020202020204" pitchFamily="34" charset="0"/>
+              <a:buChar char="•"/>
+              <a:defRPr sz="1800" kern="1200">
+                <a:solidFill>
+                  <a:schemeClr val="tx1"/>
+                </a:solidFill>
+                <a:latin typeface="+mn-lt"/>
+                <a:ea typeface="+mn-ea"/>
+                <a:cs typeface="+mn-cs"/>
+              </a:defRPr>
+            </a:lvl6pPr>
+            <a:lvl7pPr marL="2971800" indent="-228600" algn="l" defTabSz="914400" rtl="0" eaLnBrk="1" latinLnBrk="0" hangingPunct="1">
+              <a:lnSpc>
+                <a:spcPct val="90000"/>
+              </a:lnSpc>
+              <a:spcBef>
+                <a:spcPts val="500"/>
+              </a:spcBef>
+              <a:buFont typeface="Arial" panose="020B0604020202020204" pitchFamily="34" charset="0"/>
+              <a:buChar char="•"/>
+              <a:defRPr sz="1800" kern="1200">
+                <a:solidFill>
+                  <a:schemeClr val="tx1"/>
+                </a:solidFill>
+                <a:latin typeface="+mn-lt"/>
+                <a:ea typeface="+mn-ea"/>
+                <a:cs typeface="+mn-cs"/>
+              </a:defRPr>
+            </a:lvl7pPr>
+            <a:lvl8pPr marL="3429000" indent="-228600" algn="l" defTabSz="914400" rtl="0" eaLnBrk="1" latinLnBrk="0" hangingPunct="1">
+              <a:lnSpc>
+                <a:spcPct val="90000"/>
+              </a:lnSpc>
+              <a:spcBef>
+                <a:spcPts val="500"/>
+              </a:spcBef>
+              <a:buFont typeface="Arial" panose="020B0604020202020204" pitchFamily="34" charset="0"/>
+              <a:buChar char="•"/>
+              <a:defRPr sz="1800" kern="1200">
+                <a:solidFill>
+                  <a:schemeClr val="tx1"/>
+                </a:solidFill>
+                <a:latin typeface="+mn-lt"/>
+                <a:ea typeface="+mn-ea"/>
+                <a:cs typeface="+mn-cs"/>
+              </a:defRPr>
+            </a:lvl8pPr>
+            <a:lvl9pPr marL="3886200" indent="-228600" algn="l" defTabSz="914400" rtl="0" eaLnBrk="1" latinLnBrk="0" hangingPunct="1">
+              <a:lnSpc>
+                <a:spcPct val="90000"/>
+              </a:lnSpc>
+              <a:spcBef>
+                <a:spcPts val="500"/>
+              </a:spcBef>
+              <a:buFont typeface="Arial" panose="020B0604020202020204" pitchFamily="34" charset="0"/>
+              <a:buChar char="•"/>
+              <a:defRPr sz="1800" kern="1200">
+                <a:solidFill>
+                  <a:schemeClr val="tx1"/>
+                </a:solidFill>
+                <a:latin typeface="+mn-lt"/>
+                <a:ea typeface="+mn-ea"/>
+                <a:cs typeface="+mn-cs"/>
+              </a:defRPr>
+            </a:lvl9pPr>
+          </a:lstStyle>
+          <a:p>
+            <a:endParaRPr lang="en-US" dirty="0"/>
+          </a:p>
+        </p:txBody>
+      </p:sp>
+      <p:sp>
+        <p:nvSpPr>
+          <p:cNvPr id="7" name="内容占位符 6">
+            <a:extLst>
+              <a:ext uri="{FF2B5EF4-FFF2-40B4-BE49-F238E27FC236}">
+                <a16:creationId xmlns:a16="http://schemas.microsoft.com/office/drawing/2014/main" id="{64FA6CF2-AD76-4B62-8744-4F4C0862FE02}"/>
+              </a:ext>
+            </a:extLst>
+          </p:cNvPr>
+          <p:cNvSpPr>
+            <a:spLocks noGrp="1"/>
+          </p:cNvSpPr>
+          <p:nvPr>
+            <p:ph idx="1"/>
+          </p:nvPr>
+        </p:nvSpPr>
+        <p:spPr>
+          <a:xfrm>
+            <a:off x="838200" y="1825625"/>
+            <a:ext cx="10704443" cy="4351338"/>
+          </a:xfrm>
+        </p:spPr>
+        <p:txBody>
+          <a:bodyPr/>
+          <a:lstStyle/>
+          <a:p>
+            <a:r>
+              <a:rPr lang="en-US" dirty="0"/>
+              <a:t>Test Timo’s feature and my neighborhood’s neighborhood features.</a:t>
+            </a:r>
+          </a:p>
+          <a:p>
+            <a:r>
+              <a:rPr lang="en-US" dirty="0"/>
+              <a:t>Use three classifier, Random forest, MLP and CNN. Structure of MLP and CNN are adaptive to dataset. CNN have less parameters than MLP.</a:t>
+            </a:r>
+          </a:p>
+        </p:txBody>
+      </p:sp>
+      <p:pic>
+        <p:nvPicPr>
+          <p:cNvPr id="3" name="图片 2">
+            <a:extLst>
+              <a:ext uri="{FF2B5EF4-FFF2-40B4-BE49-F238E27FC236}">
+                <a16:creationId xmlns:a16="http://schemas.microsoft.com/office/drawing/2014/main" id="{D89EE320-1339-4971-BD35-A67DE99D3B9E}"/>
+              </a:ext>
+            </a:extLst>
+          </p:cNvPr>
+          <p:cNvPicPr>
+            <a:picLocks noChangeAspect="1"/>
+          </p:cNvPicPr>
+          <p:nvPr/>
+        </p:nvPicPr>
+        <p:blipFill rotWithShape="1">
+          <a:blip r:embed="rId2"/>
+          <a:srcRect l="20309" t="51544" r="21307" b="35036"/>
+          <a:stretch/>
+        </p:blipFill>
+        <p:spPr>
+          <a:xfrm>
+            <a:off x="140677" y="3882683"/>
+            <a:ext cx="11863759" cy="1477109"/>
+          </a:xfrm>
+          <a:prstGeom prst="rect">
+            <a:avLst/>
+          </a:prstGeom>
+        </p:spPr>
+      </p:pic>
+    </p:spTree>
+    <p:extLst>
+      <p:ext uri="{BB962C8B-B14F-4D97-AF65-F5344CB8AC3E}">
+        <p14:creationId xmlns:p14="http://schemas.microsoft.com/office/powerpoint/2010/main" val="429199922"/>
+      </p:ext>
+    </p:extLst>
+  </p:cSld>
+  <p:clrMapOvr>
+    <a:masterClrMapping/>
+  </p:clrMapOvr>
+</p:sld>
+</file>
+
+<file path=ppt/slides/slide23.xml><?xml version="1.0" encoding="utf-8"?>
+<p:sld xmlns:a="http://schemas.openxmlformats.org/drawingml/2006/main" xmlns:r="http://schemas.openxmlformats.org/officeDocument/2006/relationships" xmlns:p="http://schemas.openxmlformats.org/presentationml/2006/main">
+  <p:cSld>
+    <p:spTree>
+      <p:nvGrpSpPr>
+        <p:cNvPr id="1" name=""/>
+        <p:cNvGrpSpPr/>
+        <p:nvPr/>
+      </p:nvGrpSpPr>
+      <p:grpSpPr>
+        <a:xfrm>
+          <a:off x="0" y="0"/>
+          <a:ext cx="0" cy="0"/>
+          <a:chOff x="0" y="0"/>
+          <a:chExt cx="0" cy="0"/>
+        </a:xfrm>
+      </p:grpSpPr>
+      <p:sp>
+        <p:nvSpPr>
+          <p:cNvPr id="2" name="标题 1">
+            <a:extLst>
+              <a:ext uri="{FF2B5EF4-FFF2-40B4-BE49-F238E27FC236}">
+                <a16:creationId xmlns:a16="http://schemas.microsoft.com/office/drawing/2014/main" id="{E37ACCFC-94EE-4271-97D3-EC842B6F9428}"/>
+              </a:ext>
+            </a:extLst>
+          </p:cNvPr>
+          <p:cNvSpPr>
+            <a:spLocks noGrp="1"/>
+          </p:cNvSpPr>
+          <p:nvPr>
+            <p:ph type="title"/>
+          </p:nvPr>
+        </p:nvSpPr>
+        <p:spPr/>
+        <p:txBody>
+          <a:bodyPr>
+            <a:normAutofit/>
+          </a:bodyPr>
+          <a:lstStyle/>
+          <a:p>
+            <a:r>
+              <a:rPr lang="en-US" altLang="zh-CN" dirty="0"/>
+              <a:t>New ideas</a:t>
+            </a:r>
+            <a:br>
+              <a:rPr lang="en-US" altLang="zh-CN" dirty="0"/>
+            </a:br>
+            <a:r>
+              <a:rPr lang="en-US" altLang="zh-CN" dirty="0"/>
+              <a:t>	</a:t>
+            </a:r>
+            <a:r>
+              <a:rPr lang="en-US" altLang="zh-CN" sz="3600" dirty="0"/>
+              <a:t>Result</a:t>
+            </a:r>
+            <a:endParaRPr lang="en-US" dirty="0"/>
+          </a:p>
+        </p:txBody>
+      </p:sp>
+      <p:sp>
+        <p:nvSpPr>
+          <p:cNvPr id="5" name="内容占位符 2">
+            <a:extLst>
+              <a:ext uri="{FF2B5EF4-FFF2-40B4-BE49-F238E27FC236}">
+                <a16:creationId xmlns:a16="http://schemas.microsoft.com/office/drawing/2014/main" id="{4BD3AA28-6CB0-4E6C-83E9-B2D7A33C1868}"/>
+              </a:ext>
+            </a:extLst>
+          </p:cNvPr>
+          <p:cNvSpPr txBox="1">
+            <a:spLocks/>
+          </p:cNvSpPr>
+          <p:nvPr/>
+        </p:nvSpPr>
+        <p:spPr>
+          <a:xfrm>
+            <a:off x="6178826" y="1785869"/>
+            <a:ext cx="5098774" cy="4351338"/>
+          </a:xfrm>
+          <a:prstGeom prst="rect">
+            <a:avLst/>
+          </a:prstGeom>
+        </p:spPr>
+        <p:txBody>
+          <a:bodyPr vert="horz" lIns="91440" tIns="45720" rIns="91440" bIns="45720" rtlCol="0">
+            <a:normAutofit/>
+          </a:bodyPr>
+          <a:lstStyle>
+            <a:lvl1pPr marL="228600" indent="-228600" algn="l" defTabSz="914400" rtl="0" eaLnBrk="1" latinLnBrk="0" hangingPunct="1">
+              <a:lnSpc>
+                <a:spcPct val="90000"/>
+              </a:lnSpc>
+              <a:spcBef>
+                <a:spcPts val="1000"/>
+              </a:spcBef>
+              <a:buFont typeface="Arial" panose="020B0604020202020204" pitchFamily="34" charset="0"/>
+              <a:buChar char="•"/>
+              <a:defRPr sz="2800" kern="1200">
+                <a:solidFill>
+                  <a:schemeClr val="tx1"/>
+                </a:solidFill>
+                <a:latin typeface="+mn-lt"/>
+                <a:ea typeface="+mn-ea"/>
+                <a:cs typeface="+mn-cs"/>
+              </a:defRPr>
+            </a:lvl1pPr>
+            <a:lvl2pPr marL="685800" indent="-228600" algn="l" defTabSz="914400" rtl="0" eaLnBrk="1" latinLnBrk="0" hangingPunct="1">
+              <a:lnSpc>
+                <a:spcPct val="90000"/>
+              </a:lnSpc>
+              <a:spcBef>
+                <a:spcPts val="500"/>
+              </a:spcBef>
+              <a:buFont typeface="Arial" panose="020B0604020202020204" pitchFamily="34" charset="0"/>
+              <a:buChar char="•"/>
+              <a:defRPr sz="2400" kern="1200">
+                <a:solidFill>
+                  <a:schemeClr val="tx1"/>
+                </a:solidFill>
+                <a:latin typeface="+mn-lt"/>
+                <a:ea typeface="+mn-ea"/>
+                <a:cs typeface="+mn-cs"/>
+              </a:defRPr>
+            </a:lvl2pPr>
+            <a:lvl3pPr marL="1143000" indent="-228600" algn="l" defTabSz="914400" rtl="0" eaLnBrk="1" latinLnBrk="0" hangingPunct="1">
+              <a:lnSpc>
+                <a:spcPct val="90000"/>
+              </a:lnSpc>
+              <a:spcBef>
+                <a:spcPts val="500"/>
+              </a:spcBef>
+              <a:buFont typeface="Arial" panose="020B0604020202020204" pitchFamily="34" charset="0"/>
+              <a:buChar char="•"/>
+              <a:defRPr sz="2000" kern="1200">
+                <a:solidFill>
+                  <a:schemeClr val="tx1"/>
+                </a:solidFill>
+                <a:latin typeface="+mn-lt"/>
+                <a:ea typeface="+mn-ea"/>
+                <a:cs typeface="+mn-cs"/>
+              </a:defRPr>
+            </a:lvl3pPr>
+            <a:lvl4pPr marL="1600200" indent="-228600" algn="l" defTabSz="914400" rtl="0" eaLnBrk="1" latinLnBrk="0" hangingPunct="1">
+              <a:lnSpc>
+                <a:spcPct val="90000"/>
+              </a:lnSpc>
+              <a:spcBef>
+                <a:spcPts val="500"/>
+              </a:spcBef>
+              <a:buFont typeface="Arial" panose="020B0604020202020204" pitchFamily="34" charset="0"/>
+              <a:buChar char="•"/>
+              <a:defRPr sz="1800" kern="1200">
+                <a:solidFill>
+                  <a:schemeClr val="tx1"/>
+                </a:solidFill>
+                <a:latin typeface="+mn-lt"/>
+                <a:ea typeface="+mn-ea"/>
+                <a:cs typeface="+mn-cs"/>
+              </a:defRPr>
+            </a:lvl4pPr>
+            <a:lvl5pPr marL="2057400" indent="-228600" algn="l" defTabSz="914400" rtl="0" eaLnBrk="1" latinLnBrk="0" hangingPunct="1">
+              <a:lnSpc>
+                <a:spcPct val="90000"/>
+              </a:lnSpc>
+              <a:spcBef>
+                <a:spcPts val="500"/>
+              </a:spcBef>
+              <a:buFont typeface="Arial" panose="020B0604020202020204" pitchFamily="34" charset="0"/>
+              <a:buChar char="•"/>
+              <a:defRPr sz="1800" kern="1200">
+                <a:solidFill>
+                  <a:schemeClr val="tx1"/>
+                </a:solidFill>
+                <a:latin typeface="+mn-lt"/>
+                <a:ea typeface="+mn-ea"/>
+                <a:cs typeface="+mn-cs"/>
+              </a:defRPr>
+            </a:lvl5pPr>
+            <a:lvl6pPr marL="2514600" indent="-228600" algn="l" defTabSz="914400" rtl="0" eaLnBrk="1" latinLnBrk="0" hangingPunct="1">
+              <a:lnSpc>
+                <a:spcPct val="90000"/>
+              </a:lnSpc>
+              <a:spcBef>
+                <a:spcPts val="500"/>
+              </a:spcBef>
+              <a:buFont typeface="Arial" panose="020B0604020202020204" pitchFamily="34" charset="0"/>
+              <a:buChar char="•"/>
+              <a:defRPr sz="1800" kern="1200">
+                <a:solidFill>
+                  <a:schemeClr val="tx1"/>
+                </a:solidFill>
+                <a:latin typeface="+mn-lt"/>
+                <a:ea typeface="+mn-ea"/>
+                <a:cs typeface="+mn-cs"/>
+              </a:defRPr>
+            </a:lvl6pPr>
+            <a:lvl7pPr marL="2971800" indent="-228600" algn="l" defTabSz="914400" rtl="0" eaLnBrk="1" latinLnBrk="0" hangingPunct="1">
+              <a:lnSpc>
+                <a:spcPct val="90000"/>
+              </a:lnSpc>
+              <a:spcBef>
+                <a:spcPts val="500"/>
+              </a:spcBef>
+              <a:buFont typeface="Arial" panose="020B0604020202020204" pitchFamily="34" charset="0"/>
+              <a:buChar char="•"/>
+              <a:defRPr sz="1800" kern="1200">
+                <a:solidFill>
+                  <a:schemeClr val="tx1"/>
+                </a:solidFill>
+                <a:latin typeface="+mn-lt"/>
+                <a:ea typeface="+mn-ea"/>
+                <a:cs typeface="+mn-cs"/>
+              </a:defRPr>
+            </a:lvl7pPr>
+            <a:lvl8pPr marL="3429000" indent="-228600" algn="l" defTabSz="914400" rtl="0" eaLnBrk="1" latinLnBrk="0" hangingPunct="1">
+              <a:lnSpc>
+                <a:spcPct val="90000"/>
+              </a:lnSpc>
+              <a:spcBef>
+                <a:spcPts val="500"/>
+              </a:spcBef>
+              <a:buFont typeface="Arial" panose="020B0604020202020204" pitchFamily="34" charset="0"/>
+              <a:buChar char="•"/>
+              <a:defRPr sz="1800" kern="1200">
+                <a:solidFill>
+                  <a:schemeClr val="tx1"/>
+                </a:solidFill>
+                <a:latin typeface="+mn-lt"/>
+                <a:ea typeface="+mn-ea"/>
+                <a:cs typeface="+mn-cs"/>
+              </a:defRPr>
+            </a:lvl8pPr>
+            <a:lvl9pPr marL="3886200" indent="-228600" algn="l" defTabSz="914400" rtl="0" eaLnBrk="1" latinLnBrk="0" hangingPunct="1">
+              <a:lnSpc>
+                <a:spcPct val="90000"/>
+              </a:lnSpc>
+              <a:spcBef>
+                <a:spcPts val="500"/>
+              </a:spcBef>
+              <a:buFont typeface="Arial" panose="020B0604020202020204" pitchFamily="34" charset="0"/>
+              <a:buChar char="•"/>
+              <a:defRPr sz="1800" kern="1200">
+                <a:solidFill>
+                  <a:schemeClr val="tx1"/>
+                </a:solidFill>
+                <a:latin typeface="+mn-lt"/>
+                <a:ea typeface="+mn-ea"/>
+                <a:cs typeface="+mn-cs"/>
+              </a:defRPr>
+            </a:lvl9pPr>
+          </a:lstStyle>
+          <a:p>
+            <a:endParaRPr lang="en-US" dirty="0"/>
+          </a:p>
+        </p:txBody>
+      </p:sp>
+      <p:pic>
+        <p:nvPicPr>
+          <p:cNvPr id="4" name="内容占位符 3">
+            <a:extLst>
+              <a:ext uri="{FF2B5EF4-FFF2-40B4-BE49-F238E27FC236}">
+                <a16:creationId xmlns:a16="http://schemas.microsoft.com/office/drawing/2014/main" id="{D77CF3A9-0A74-44B6-BA55-F1F8E6776775}"/>
+              </a:ext>
+            </a:extLst>
+          </p:cNvPr>
+          <p:cNvPicPr>
+            <a:picLocks noGrp="1" noChangeAspect="1"/>
+          </p:cNvPicPr>
+          <p:nvPr>
+            <p:ph idx="1"/>
+          </p:nvPr>
+        </p:nvPicPr>
+        <p:blipFill rotWithShape="1">
+          <a:blip r:embed="rId2"/>
+          <a:srcRect l="36682" t="22381" r="38451" b="42380"/>
+          <a:stretch/>
+        </p:blipFill>
+        <p:spPr>
+          <a:xfrm>
+            <a:off x="6832209" y="2743795"/>
+            <a:ext cx="5359791" cy="4114205"/>
+          </a:xfrm>
+          <a:prstGeom prst="rect">
+            <a:avLst/>
+          </a:prstGeom>
+        </p:spPr>
+      </p:pic>
+      <p:pic>
+        <p:nvPicPr>
+          <p:cNvPr id="6" name="图片 5">
+            <a:extLst>
+              <a:ext uri="{FF2B5EF4-FFF2-40B4-BE49-F238E27FC236}">
+                <a16:creationId xmlns:a16="http://schemas.microsoft.com/office/drawing/2014/main" id="{E307C332-0534-4A64-A765-871F69B351B0}"/>
+              </a:ext>
+            </a:extLst>
+          </p:cNvPr>
+          <p:cNvPicPr>
+            <a:picLocks noChangeAspect="1"/>
+          </p:cNvPicPr>
+          <p:nvPr/>
+        </p:nvPicPr>
+        <p:blipFill rotWithShape="1">
+          <a:blip r:embed="rId3"/>
+          <a:srcRect l="21231" t="45580" r="22346" b="14585"/>
+          <a:stretch/>
+        </p:blipFill>
+        <p:spPr>
+          <a:xfrm>
+            <a:off x="189327" y="98474"/>
+            <a:ext cx="8865577" cy="3390314"/>
+          </a:xfrm>
+          <a:prstGeom prst="rect">
+            <a:avLst/>
+          </a:prstGeom>
+        </p:spPr>
+      </p:pic>
+      <p:sp>
+        <p:nvSpPr>
+          <p:cNvPr id="8" name="文本框 7">
+            <a:extLst>
+              <a:ext uri="{FF2B5EF4-FFF2-40B4-BE49-F238E27FC236}">
+                <a16:creationId xmlns:a16="http://schemas.microsoft.com/office/drawing/2014/main" id="{380654C0-2368-42B2-9CB2-651EFAC0EAAB}"/>
+              </a:ext>
+            </a:extLst>
+          </p:cNvPr>
+          <p:cNvSpPr txBox="1"/>
+          <p:nvPr/>
+        </p:nvSpPr>
+        <p:spPr>
+          <a:xfrm>
+            <a:off x="858130" y="4501662"/>
+            <a:ext cx="5048177" cy="1200329"/>
+          </a:xfrm>
+          <a:prstGeom prst="rect">
+            <a:avLst/>
+          </a:prstGeom>
+          <a:noFill/>
+        </p:spPr>
+        <p:txBody>
+          <a:bodyPr wrap="none" rtlCol="0">
+            <a:spAutoFit/>
+          </a:bodyPr>
+          <a:lstStyle/>
+          <a:p>
+            <a:r>
+              <a:rPr lang="en-US" sz="3600" dirty="0"/>
+              <a:t>Timo’s feature </a:t>
+            </a:r>
+          </a:p>
+          <a:p>
+            <a:r>
+              <a:rPr lang="en-US" sz="3600" dirty="0"/>
+              <a:t>(without height features)</a:t>
+            </a:r>
+          </a:p>
+        </p:txBody>
+      </p:sp>
+    </p:spTree>
+    <p:extLst>
+      <p:ext uri="{BB962C8B-B14F-4D97-AF65-F5344CB8AC3E}">
+        <p14:creationId xmlns:p14="http://schemas.microsoft.com/office/powerpoint/2010/main" val="1840934772"/>
+      </p:ext>
+    </p:extLst>
+  </p:cSld>
+  <p:clrMapOvr>
+    <a:masterClrMapping/>
+  </p:clrMapOvr>
+</p:sld>
+</file>
+
+<file path=ppt/slides/slide24.xml><?xml version="1.0" encoding="utf-8"?>
+<p:sld xmlns:a="http://schemas.openxmlformats.org/drawingml/2006/main" xmlns:r="http://schemas.openxmlformats.org/officeDocument/2006/relationships" xmlns:p="http://schemas.openxmlformats.org/presentationml/2006/main">
+  <p:cSld>
+    <p:spTree>
+      <p:nvGrpSpPr>
+        <p:cNvPr id="1" name=""/>
+        <p:cNvGrpSpPr/>
+        <p:nvPr/>
+      </p:nvGrpSpPr>
+      <p:grpSpPr>
+        <a:xfrm>
+          <a:off x="0" y="0"/>
+          <a:ext cx="0" cy="0"/>
+          <a:chOff x="0" y="0"/>
+          <a:chExt cx="0" cy="0"/>
+        </a:xfrm>
+      </p:grpSpPr>
+      <p:sp>
+        <p:nvSpPr>
+          <p:cNvPr id="2" name="标题 1">
+            <a:extLst>
+              <a:ext uri="{FF2B5EF4-FFF2-40B4-BE49-F238E27FC236}">
+                <a16:creationId xmlns:a16="http://schemas.microsoft.com/office/drawing/2014/main" id="{E37ACCFC-94EE-4271-97D3-EC842B6F9428}"/>
+              </a:ext>
+            </a:extLst>
+          </p:cNvPr>
+          <p:cNvSpPr>
+            <a:spLocks noGrp="1"/>
+          </p:cNvSpPr>
+          <p:nvPr>
+            <p:ph type="title"/>
+          </p:nvPr>
+        </p:nvSpPr>
+        <p:spPr/>
+        <p:txBody>
+          <a:bodyPr>
+            <a:normAutofit/>
+          </a:bodyPr>
+          <a:lstStyle/>
+          <a:p>
+            <a:r>
+              <a:rPr lang="en-US" altLang="zh-CN" dirty="0"/>
+              <a:t>New ideas</a:t>
+            </a:r>
+            <a:br>
+              <a:rPr lang="en-US" altLang="zh-CN" dirty="0"/>
+            </a:br>
+            <a:r>
+              <a:rPr lang="en-US" altLang="zh-CN" dirty="0"/>
+              <a:t>	</a:t>
+            </a:r>
+            <a:r>
+              <a:rPr lang="en-US" altLang="zh-CN" sz="3600" dirty="0"/>
+              <a:t>Result</a:t>
+            </a:r>
+            <a:endParaRPr lang="en-US" dirty="0"/>
+          </a:p>
+        </p:txBody>
+      </p:sp>
+      <p:sp>
+        <p:nvSpPr>
+          <p:cNvPr id="5" name="内容占位符 2">
+            <a:extLst>
+              <a:ext uri="{FF2B5EF4-FFF2-40B4-BE49-F238E27FC236}">
+                <a16:creationId xmlns:a16="http://schemas.microsoft.com/office/drawing/2014/main" id="{4BD3AA28-6CB0-4E6C-83E9-B2D7A33C1868}"/>
+              </a:ext>
+            </a:extLst>
+          </p:cNvPr>
+          <p:cNvSpPr txBox="1">
+            <a:spLocks/>
+          </p:cNvSpPr>
+          <p:nvPr/>
+        </p:nvSpPr>
+        <p:spPr>
+          <a:xfrm>
+            <a:off x="6178826" y="1785869"/>
+            <a:ext cx="5098774" cy="4351338"/>
+          </a:xfrm>
+          <a:prstGeom prst="rect">
+            <a:avLst/>
+          </a:prstGeom>
+        </p:spPr>
+        <p:txBody>
+          <a:bodyPr vert="horz" lIns="91440" tIns="45720" rIns="91440" bIns="45720" rtlCol="0">
+            <a:normAutofit/>
+          </a:bodyPr>
+          <a:lstStyle>
+            <a:lvl1pPr marL="228600" indent="-228600" algn="l" defTabSz="914400" rtl="0" eaLnBrk="1" latinLnBrk="0" hangingPunct="1">
+              <a:lnSpc>
+                <a:spcPct val="90000"/>
+              </a:lnSpc>
+              <a:spcBef>
+                <a:spcPts val="1000"/>
+              </a:spcBef>
+              <a:buFont typeface="Arial" panose="020B0604020202020204" pitchFamily="34" charset="0"/>
+              <a:buChar char="•"/>
+              <a:defRPr sz="2800" kern="1200">
+                <a:solidFill>
+                  <a:schemeClr val="tx1"/>
+                </a:solidFill>
+                <a:latin typeface="+mn-lt"/>
+                <a:ea typeface="+mn-ea"/>
+                <a:cs typeface="+mn-cs"/>
+              </a:defRPr>
+            </a:lvl1pPr>
+            <a:lvl2pPr marL="685800" indent="-228600" algn="l" defTabSz="914400" rtl="0" eaLnBrk="1" latinLnBrk="0" hangingPunct="1">
+              <a:lnSpc>
+                <a:spcPct val="90000"/>
+              </a:lnSpc>
+              <a:spcBef>
+                <a:spcPts val="500"/>
+              </a:spcBef>
+              <a:buFont typeface="Arial" panose="020B0604020202020204" pitchFamily="34" charset="0"/>
+              <a:buChar char="•"/>
+              <a:defRPr sz="2400" kern="1200">
+                <a:solidFill>
+                  <a:schemeClr val="tx1"/>
+                </a:solidFill>
+                <a:latin typeface="+mn-lt"/>
+                <a:ea typeface="+mn-ea"/>
+                <a:cs typeface="+mn-cs"/>
+              </a:defRPr>
+            </a:lvl2pPr>
+            <a:lvl3pPr marL="1143000" indent="-228600" algn="l" defTabSz="914400" rtl="0" eaLnBrk="1" latinLnBrk="0" hangingPunct="1">
+              <a:lnSpc>
+                <a:spcPct val="90000"/>
+              </a:lnSpc>
+              <a:spcBef>
+                <a:spcPts val="500"/>
+              </a:spcBef>
+              <a:buFont typeface="Arial" panose="020B0604020202020204" pitchFamily="34" charset="0"/>
+              <a:buChar char="•"/>
+              <a:defRPr sz="2000" kern="1200">
+                <a:solidFill>
+                  <a:schemeClr val="tx1"/>
+                </a:solidFill>
+                <a:latin typeface="+mn-lt"/>
+                <a:ea typeface="+mn-ea"/>
+                <a:cs typeface="+mn-cs"/>
+              </a:defRPr>
+            </a:lvl3pPr>
+            <a:lvl4pPr marL="1600200" indent="-228600" algn="l" defTabSz="914400" rtl="0" eaLnBrk="1" latinLnBrk="0" hangingPunct="1">
+              <a:lnSpc>
+                <a:spcPct val="90000"/>
+              </a:lnSpc>
+              <a:spcBef>
+                <a:spcPts val="500"/>
+              </a:spcBef>
+              <a:buFont typeface="Arial" panose="020B0604020202020204" pitchFamily="34" charset="0"/>
+              <a:buChar char="•"/>
+              <a:defRPr sz="1800" kern="1200">
+                <a:solidFill>
+                  <a:schemeClr val="tx1"/>
+                </a:solidFill>
+                <a:latin typeface="+mn-lt"/>
+                <a:ea typeface="+mn-ea"/>
+                <a:cs typeface="+mn-cs"/>
+              </a:defRPr>
+            </a:lvl4pPr>
+            <a:lvl5pPr marL="2057400" indent="-228600" algn="l" defTabSz="914400" rtl="0" eaLnBrk="1" latinLnBrk="0" hangingPunct="1">
+              <a:lnSpc>
+                <a:spcPct val="90000"/>
+              </a:lnSpc>
+              <a:spcBef>
+                <a:spcPts val="500"/>
+              </a:spcBef>
+              <a:buFont typeface="Arial" panose="020B0604020202020204" pitchFamily="34" charset="0"/>
+              <a:buChar char="•"/>
+              <a:defRPr sz="1800" kern="1200">
+                <a:solidFill>
+                  <a:schemeClr val="tx1"/>
+                </a:solidFill>
+                <a:latin typeface="+mn-lt"/>
+                <a:ea typeface="+mn-ea"/>
+                <a:cs typeface="+mn-cs"/>
+              </a:defRPr>
+            </a:lvl5pPr>
+            <a:lvl6pPr marL="2514600" indent="-228600" algn="l" defTabSz="914400" rtl="0" eaLnBrk="1" latinLnBrk="0" hangingPunct="1">
+              <a:lnSpc>
+                <a:spcPct val="90000"/>
+              </a:lnSpc>
+              <a:spcBef>
+                <a:spcPts val="500"/>
+              </a:spcBef>
+              <a:buFont typeface="Arial" panose="020B0604020202020204" pitchFamily="34" charset="0"/>
+              <a:buChar char="•"/>
+              <a:defRPr sz="1800" kern="1200">
+                <a:solidFill>
+                  <a:schemeClr val="tx1"/>
+                </a:solidFill>
+                <a:latin typeface="+mn-lt"/>
+                <a:ea typeface="+mn-ea"/>
+                <a:cs typeface="+mn-cs"/>
+              </a:defRPr>
+            </a:lvl6pPr>
+            <a:lvl7pPr marL="2971800" indent="-228600" algn="l" defTabSz="914400" rtl="0" eaLnBrk="1" latinLnBrk="0" hangingPunct="1">
+              <a:lnSpc>
+                <a:spcPct val="90000"/>
+              </a:lnSpc>
+              <a:spcBef>
+                <a:spcPts val="500"/>
+              </a:spcBef>
+              <a:buFont typeface="Arial" panose="020B0604020202020204" pitchFamily="34" charset="0"/>
+              <a:buChar char="•"/>
+              <a:defRPr sz="1800" kern="1200">
+                <a:solidFill>
+                  <a:schemeClr val="tx1"/>
+                </a:solidFill>
+                <a:latin typeface="+mn-lt"/>
+                <a:ea typeface="+mn-ea"/>
+                <a:cs typeface="+mn-cs"/>
+              </a:defRPr>
+            </a:lvl7pPr>
+            <a:lvl8pPr marL="3429000" indent="-228600" algn="l" defTabSz="914400" rtl="0" eaLnBrk="1" latinLnBrk="0" hangingPunct="1">
+              <a:lnSpc>
+                <a:spcPct val="90000"/>
+              </a:lnSpc>
+              <a:spcBef>
+                <a:spcPts val="500"/>
+              </a:spcBef>
+              <a:buFont typeface="Arial" panose="020B0604020202020204" pitchFamily="34" charset="0"/>
+              <a:buChar char="•"/>
+              <a:defRPr sz="1800" kern="1200">
+                <a:solidFill>
+                  <a:schemeClr val="tx1"/>
+                </a:solidFill>
+                <a:latin typeface="+mn-lt"/>
+                <a:ea typeface="+mn-ea"/>
+                <a:cs typeface="+mn-cs"/>
+              </a:defRPr>
+            </a:lvl8pPr>
+            <a:lvl9pPr marL="3886200" indent="-228600" algn="l" defTabSz="914400" rtl="0" eaLnBrk="1" latinLnBrk="0" hangingPunct="1">
+              <a:lnSpc>
+                <a:spcPct val="90000"/>
+              </a:lnSpc>
+              <a:spcBef>
+                <a:spcPts val="500"/>
+              </a:spcBef>
+              <a:buFont typeface="Arial" panose="020B0604020202020204" pitchFamily="34" charset="0"/>
+              <a:buChar char="•"/>
+              <a:defRPr sz="1800" kern="1200">
+                <a:solidFill>
+                  <a:schemeClr val="tx1"/>
+                </a:solidFill>
+                <a:latin typeface="+mn-lt"/>
+                <a:ea typeface="+mn-ea"/>
+                <a:cs typeface="+mn-cs"/>
+              </a:defRPr>
+            </a:lvl9pPr>
+          </a:lstStyle>
+          <a:p>
+            <a:endParaRPr lang="en-US" dirty="0"/>
+          </a:p>
+        </p:txBody>
+      </p:sp>
+      <p:sp>
+        <p:nvSpPr>
+          <p:cNvPr id="8" name="文本框 7">
+            <a:extLst>
+              <a:ext uri="{FF2B5EF4-FFF2-40B4-BE49-F238E27FC236}">
+                <a16:creationId xmlns:a16="http://schemas.microsoft.com/office/drawing/2014/main" id="{380654C0-2368-42B2-9CB2-651EFAC0EAAB}"/>
+              </a:ext>
+            </a:extLst>
+          </p:cNvPr>
+          <p:cNvSpPr txBox="1"/>
+          <p:nvPr/>
+        </p:nvSpPr>
+        <p:spPr>
+          <a:xfrm>
+            <a:off x="354547" y="4620932"/>
+            <a:ext cx="6284093" cy="584775"/>
+          </a:xfrm>
+          <a:prstGeom prst="rect">
+            <a:avLst/>
+          </a:prstGeom>
+          <a:noFill/>
+        </p:spPr>
+        <p:txBody>
+          <a:bodyPr wrap="none" rtlCol="0">
+            <a:spAutoFit/>
+          </a:bodyPr>
+          <a:lstStyle/>
+          <a:p>
+            <a:r>
+              <a:rPr lang="en-US" sz="3200" dirty="0"/>
+              <a:t>My neighborhood’s neighborhood</a:t>
+            </a:r>
+          </a:p>
+        </p:txBody>
+      </p:sp>
+      <p:pic>
+        <p:nvPicPr>
+          <p:cNvPr id="3" name="图片 2">
+            <a:extLst>
+              <a:ext uri="{FF2B5EF4-FFF2-40B4-BE49-F238E27FC236}">
+                <a16:creationId xmlns:a16="http://schemas.microsoft.com/office/drawing/2014/main" id="{FF028107-0B28-4940-B98F-EF3AC378270B}"/>
+              </a:ext>
+            </a:extLst>
+          </p:cNvPr>
+          <p:cNvPicPr>
+            <a:picLocks noChangeAspect="1"/>
+          </p:cNvPicPr>
+          <p:nvPr/>
+        </p:nvPicPr>
+        <p:blipFill rotWithShape="1">
+          <a:blip r:embed="rId2"/>
+          <a:srcRect l="35869" t="21756" r="38696" b="43127"/>
+          <a:stretch/>
+        </p:blipFill>
+        <p:spPr>
+          <a:xfrm>
+            <a:off x="6838122" y="2854032"/>
+            <a:ext cx="5353878" cy="4003968"/>
+          </a:xfrm>
+          <a:prstGeom prst="rect">
+            <a:avLst/>
+          </a:prstGeom>
+        </p:spPr>
+      </p:pic>
+      <p:pic>
+        <p:nvPicPr>
+          <p:cNvPr id="10" name="图片 9">
+            <a:extLst>
+              <a:ext uri="{FF2B5EF4-FFF2-40B4-BE49-F238E27FC236}">
+                <a16:creationId xmlns:a16="http://schemas.microsoft.com/office/drawing/2014/main" id="{3C20C77F-D51B-485C-995A-342E0436F563}"/>
+              </a:ext>
+            </a:extLst>
+          </p:cNvPr>
+          <p:cNvPicPr>
+            <a:picLocks noChangeAspect="1"/>
+          </p:cNvPicPr>
+          <p:nvPr/>
+        </p:nvPicPr>
+        <p:blipFill rotWithShape="1">
+          <a:blip r:embed="rId3"/>
+          <a:srcRect l="20978" t="35201" r="22500" b="24665"/>
+          <a:stretch/>
+        </p:blipFill>
+        <p:spPr>
+          <a:xfrm>
+            <a:off x="-1" y="0"/>
+            <a:ext cx="10095505" cy="3882887"/>
+          </a:xfrm>
+          <a:prstGeom prst="rect">
+            <a:avLst/>
+          </a:prstGeom>
+        </p:spPr>
+      </p:pic>
+    </p:spTree>
+    <p:extLst>
+      <p:ext uri="{BB962C8B-B14F-4D97-AF65-F5344CB8AC3E}">
+        <p14:creationId xmlns:p14="http://schemas.microsoft.com/office/powerpoint/2010/main" val="3478552677"/>
+      </p:ext>
+    </p:extLst>
+  </p:cSld>
+  <p:clrMapOvr>
+    <a:masterClrMapping/>
+  </p:clrMapOvr>
+</p:sld>
+</file>
+
+<file path=ppt/slides/slide25.xml><?xml version="1.0" encoding="utf-8"?>
+<p:sld xmlns:a="http://schemas.openxmlformats.org/drawingml/2006/main" xmlns:r="http://schemas.openxmlformats.org/officeDocument/2006/relationships" xmlns:p="http://schemas.openxmlformats.org/presentationml/2006/main">
+  <p:cSld>
+    <p:spTree>
+      <p:nvGrpSpPr>
+        <p:cNvPr id="1" name=""/>
+        <p:cNvGrpSpPr/>
+        <p:nvPr/>
+      </p:nvGrpSpPr>
+      <p:grpSpPr>
+        <a:xfrm>
+          <a:off x="0" y="0"/>
+          <a:ext cx="0" cy="0"/>
+          <a:chOff x="0" y="0"/>
+          <a:chExt cx="0" cy="0"/>
+        </a:xfrm>
+      </p:grpSpPr>
+      <p:sp>
+        <p:nvSpPr>
+          <p:cNvPr id="2" name="标题 1">
+            <a:extLst>
+              <a:ext uri="{FF2B5EF4-FFF2-40B4-BE49-F238E27FC236}">
+                <a16:creationId xmlns:a16="http://schemas.microsoft.com/office/drawing/2014/main" id="{CB998C03-EE24-4F82-A9AB-A35818DDB07B}"/>
+              </a:ext>
+            </a:extLst>
+          </p:cNvPr>
+          <p:cNvSpPr>
+            <a:spLocks noGrp="1"/>
+          </p:cNvSpPr>
+          <p:nvPr>
+            <p:ph type="title"/>
+          </p:nvPr>
+        </p:nvSpPr>
+        <p:spPr/>
+        <p:txBody>
+          <a:bodyPr/>
+          <a:lstStyle/>
+          <a:p>
+            <a:r>
+              <a:rPr lang="en-US" dirty="0"/>
+              <a:t>Conclusion</a:t>
+            </a:r>
+          </a:p>
+        </p:txBody>
+      </p:sp>
+      <p:sp>
+        <p:nvSpPr>
+          <p:cNvPr id="3" name="内容占位符 2">
+            <a:extLst>
+              <a:ext uri="{FF2B5EF4-FFF2-40B4-BE49-F238E27FC236}">
+                <a16:creationId xmlns:a16="http://schemas.microsoft.com/office/drawing/2014/main" id="{2C2466F5-E150-461A-8A6F-8DA8CBB3D617}"/>
+              </a:ext>
+            </a:extLst>
+          </p:cNvPr>
+          <p:cNvSpPr>
+            <a:spLocks noGrp="1"/>
+          </p:cNvSpPr>
+          <p:nvPr>
+            <p:ph idx="1"/>
+          </p:nvPr>
+        </p:nvSpPr>
+        <p:spPr/>
+        <p:txBody>
+          <a:bodyPr/>
+          <a:lstStyle/>
+          <a:p>
+            <a:r>
+              <a:rPr lang="en-US" dirty="0"/>
+              <a:t>The way the two papers choose training &amp; testing samples from same point cloud do have problem. It will give fake high precision which is actually overfitting</a:t>
+            </a:r>
+          </a:p>
+          <a:p>
+            <a:r>
+              <a:rPr lang="en-US" dirty="0"/>
+              <a:t>The so claimed “97% overall precision using 1000 training samples per class and rest points for testing” can be reproduced in the Lille street dataset. And a drop of 5% precision without height features is also confirmed by the same test. Precision table is shown in the next page.</a:t>
+            </a:r>
+          </a:p>
+          <a:p>
+            <a:r>
+              <a:rPr lang="en-US" dirty="0"/>
+              <a:t>The new “Neighborhood’s neighborhood” gives better result than previous PCA-based method in my new test.</a:t>
+            </a:r>
+          </a:p>
+        </p:txBody>
+      </p:sp>
+    </p:spTree>
+    <p:extLst>
+      <p:ext uri="{BB962C8B-B14F-4D97-AF65-F5344CB8AC3E}">
+        <p14:creationId xmlns:p14="http://schemas.microsoft.com/office/powerpoint/2010/main" val="2149396847"/>
+      </p:ext>
+    </p:extLst>
+  </p:cSld>
+  <p:clrMapOvr>
+    <a:masterClrMapping/>
+  </p:clrMapOvr>
+</p:sld>
+</file>
+
+<file path=ppt/slides/slide26.xml><?xml version="1.0" encoding="utf-8"?>
+<p:sld xmlns:a="http://schemas.openxmlformats.org/drawingml/2006/main" xmlns:r="http://schemas.openxmlformats.org/officeDocument/2006/relationships" xmlns:p="http://schemas.openxmlformats.org/presentationml/2006/main">
+  <p:cSld>
+    <p:spTree>
+      <p:nvGrpSpPr>
+        <p:cNvPr id="1" name=""/>
+        <p:cNvGrpSpPr/>
+        <p:nvPr/>
+      </p:nvGrpSpPr>
+      <p:grpSpPr>
+        <a:xfrm>
+          <a:off x="0" y="0"/>
+          <a:ext cx="0" cy="0"/>
+          <a:chOff x="0" y="0"/>
+          <a:chExt cx="0" cy="0"/>
+        </a:xfrm>
+      </p:grpSpPr>
+      <p:sp>
+        <p:nvSpPr>
+          <p:cNvPr id="2" name="标题 1">
+            <a:extLst>
+              <a:ext uri="{FF2B5EF4-FFF2-40B4-BE49-F238E27FC236}">
+                <a16:creationId xmlns:a16="http://schemas.microsoft.com/office/drawing/2014/main" id="{CB998C03-EE24-4F82-A9AB-A35818DDB07B}"/>
+              </a:ext>
+            </a:extLst>
+          </p:cNvPr>
+          <p:cNvSpPr>
+            <a:spLocks noGrp="1"/>
+          </p:cNvSpPr>
+          <p:nvPr>
+            <p:ph type="title"/>
+          </p:nvPr>
+        </p:nvSpPr>
+        <p:spPr/>
+        <p:txBody>
+          <a:bodyPr/>
+          <a:lstStyle/>
+          <a:p>
+            <a:r>
+              <a:rPr lang="en-US" dirty="0"/>
+              <a:t>Conclusion</a:t>
+            </a:r>
+          </a:p>
+        </p:txBody>
+      </p:sp>
+      <p:sp>
+        <p:nvSpPr>
+          <p:cNvPr id="6" name="内容占位符 5">
+            <a:extLst>
+              <a:ext uri="{FF2B5EF4-FFF2-40B4-BE49-F238E27FC236}">
+                <a16:creationId xmlns:a16="http://schemas.microsoft.com/office/drawing/2014/main" id="{A467886B-961B-4712-8624-2190787D6CAE}"/>
+              </a:ext>
+            </a:extLst>
+          </p:cNvPr>
+          <p:cNvSpPr>
+            <a:spLocks noGrp="1"/>
+          </p:cNvSpPr>
+          <p:nvPr>
+            <p:ph idx="1"/>
+          </p:nvPr>
+        </p:nvSpPr>
+        <p:spPr>
+          <a:xfrm>
+            <a:off x="838200" y="1825625"/>
+            <a:ext cx="4591929" cy="4351338"/>
+          </a:xfrm>
+        </p:spPr>
+        <p:txBody>
+          <a:bodyPr/>
+          <a:lstStyle/>
+          <a:p>
+            <a:r>
+              <a:rPr lang="en-US" dirty="0"/>
+              <a:t>Test Timo’s methods without height features, while mixing training and testing samples as two papers.</a:t>
+            </a:r>
+          </a:p>
+          <a:p>
+            <a:r>
+              <a:rPr lang="en-US" dirty="0"/>
+              <a:t>92% overall precision, same as the 97%-5% result according to Timo’s paper.</a:t>
+            </a:r>
+          </a:p>
+        </p:txBody>
+      </p:sp>
+      <p:pic>
+        <p:nvPicPr>
+          <p:cNvPr id="7" name="图片 6">
+            <a:extLst>
+              <a:ext uri="{FF2B5EF4-FFF2-40B4-BE49-F238E27FC236}">
+                <a16:creationId xmlns:a16="http://schemas.microsoft.com/office/drawing/2014/main" id="{3D7A994B-1398-46DE-AE86-7B0B3FDA272E}"/>
+              </a:ext>
+            </a:extLst>
+          </p:cNvPr>
+          <p:cNvPicPr>
+            <a:picLocks noChangeAspect="1"/>
+          </p:cNvPicPr>
+          <p:nvPr/>
+        </p:nvPicPr>
+        <p:blipFill rotWithShape="1">
+          <a:blip r:embed="rId2"/>
+          <a:srcRect l="37155" t="33225" r="38153" b="26515"/>
+          <a:stretch/>
+        </p:blipFill>
+        <p:spPr>
+          <a:xfrm>
+            <a:off x="6231988" y="990916"/>
+            <a:ext cx="5727262" cy="5058191"/>
+          </a:xfrm>
+          <a:prstGeom prst="rect">
+            <a:avLst/>
+          </a:prstGeom>
+        </p:spPr>
+      </p:pic>
+    </p:spTree>
+    <p:extLst>
+      <p:ext uri="{BB962C8B-B14F-4D97-AF65-F5344CB8AC3E}">
+        <p14:creationId xmlns:p14="http://schemas.microsoft.com/office/powerpoint/2010/main" val="2157683657"/>
       </p:ext>
     </p:extLst>
   </p:cSld>

--- a/projet/report.pptx
+++ b/projet/report.pptx
@@ -18121,9 +18121,16 @@
             <p:ph idx="1"/>
           </p:nvPr>
         </p:nvSpPr>
-        <p:spPr/>
-        <p:txBody>
-          <a:bodyPr/>
+        <p:spPr>
+          <a:xfrm>
+            <a:off x="838200" y="1550504"/>
+            <a:ext cx="10515600" cy="4626459"/>
+          </a:xfrm>
+        </p:spPr>
+        <p:txBody>
+          <a:bodyPr>
+            <a:normAutofit fontScale="92500" lnSpcReduction="20000"/>
+          </a:bodyPr>
           <a:lstStyle/>
           <a:p>
             <a:r>
@@ -18134,14 +18141,39 @@
           <a:p>
             <a:r>
               <a:rPr lang="en-US" dirty="0"/>
-              <a:t>The so claimed “97% overall precision using 1000 training samples per class and rest points for testing” can be reproduced in the Lille street dataset. And a drop of 5% precision without height features is also confirmed by the same test. Precision table is shown in the next page.</a:t>
+              <a:t>The “97% overall precision using 1000 training samples per class and rest points for testing” can be reproduced in the Lille street dataset. And a drop of 5% precision without height features is also confirmed by the same test. Precision table is shown in the next page.</a:t>
             </a:r>
           </a:p>
           <a:p>
             <a:r>
               <a:rPr lang="en-US" dirty="0"/>
-              <a:t>The new “Neighborhood’s neighborhood” gives better result than previous PCA-based method in my new test.</a:t>
-            </a:r>
+              <a:t>The new “Neighborhood’s neighborhood” feature gives better result than previous PCA-based method in my new test.</a:t>
+            </a:r>
+          </a:p>
+          <a:p>
+            <a:r>
+              <a:rPr lang="en-US" dirty="0"/>
+              <a:t>CNN gives better result than MLP and Random forest on Timo’s feature, but on my </a:t>
+            </a:r>
+            <a:r>
+              <a:rPr lang="en-US" altLang="zh-CN" dirty="0"/>
+              <a:t>“Neighborhood’s neighborhood” feature, their performances are basically the same. Maybe it’s because Timo’s features only have balls, more suitable for CNN. </a:t>
+            </a:r>
+          </a:p>
+          <a:p>
+            <a:r>
+              <a:rPr lang="en-US" altLang="zh-CN" i="1" dirty="0" err="1"/>
+              <a:t>CNN+raw</a:t>
+            </a:r>
+            <a:r>
+              <a:rPr lang="en-US" altLang="zh-CN" i="1" dirty="0"/>
+              <a:t> features </a:t>
+            </a:r>
+            <a:r>
+              <a:rPr lang="en-US" altLang="zh-CN" dirty="0"/>
+              <a:t>might be a interesting direction for future research.</a:t>
+            </a:r>
+            <a:endParaRPr lang="en-US" dirty="0"/>
           </a:p>
         </p:txBody>
       </p:sp>

--- a/projet/report.pptx
+++ b/projet/report.pptx
@@ -297,7 +297,7 @@
           <a:p>
             <a:fld id="{1DE11695-864A-490D-AD9A-DAAD4018FBC8}" type="datetimeFigureOut">
               <a:rPr lang="en-US" smtClean="0"/>
-              <a:t>3/25/2018</a:t>
+              <a:t>3/26/2018</a:t>
             </a:fld>
             <a:endParaRPr lang="en-US"/>
           </a:p>
@@ -497,7 +497,7 @@
           <a:p>
             <a:fld id="{1DE11695-864A-490D-AD9A-DAAD4018FBC8}" type="datetimeFigureOut">
               <a:rPr lang="en-US" smtClean="0"/>
-              <a:t>3/25/2018</a:t>
+              <a:t>3/26/2018</a:t>
             </a:fld>
             <a:endParaRPr lang="en-US"/>
           </a:p>
@@ -707,7 +707,7 @@
           <a:p>
             <a:fld id="{1DE11695-864A-490D-AD9A-DAAD4018FBC8}" type="datetimeFigureOut">
               <a:rPr lang="en-US" smtClean="0"/>
-              <a:t>3/25/2018</a:t>
+              <a:t>3/26/2018</a:t>
             </a:fld>
             <a:endParaRPr lang="en-US"/>
           </a:p>
@@ -907,7 +907,7 @@
           <a:p>
             <a:fld id="{1DE11695-864A-490D-AD9A-DAAD4018FBC8}" type="datetimeFigureOut">
               <a:rPr lang="en-US" smtClean="0"/>
-              <a:t>3/25/2018</a:t>
+              <a:t>3/26/2018</a:t>
             </a:fld>
             <a:endParaRPr lang="en-US"/>
           </a:p>
@@ -1183,7 +1183,7 @@
           <a:p>
             <a:fld id="{1DE11695-864A-490D-AD9A-DAAD4018FBC8}" type="datetimeFigureOut">
               <a:rPr lang="en-US" smtClean="0"/>
-              <a:t>3/25/2018</a:t>
+              <a:t>3/26/2018</a:t>
             </a:fld>
             <a:endParaRPr lang="en-US"/>
           </a:p>
@@ -1451,7 +1451,7 @@
           <a:p>
             <a:fld id="{1DE11695-864A-490D-AD9A-DAAD4018FBC8}" type="datetimeFigureOut">
               <a:rPr lang="en-US" smtClean="0"/>
-              <a:t>3/25/2018</a:t>
+              <a:t>3/26/2018</a:t>
             </a:fld>
             <a:endParaRPr lang="en-US"/>
           </a:p>
@@ -1866,7 +1866,7 @@
           <a:p>
             <a:fld id="{1DE11695-864A-490D-AD9A-DAAD4018FBC8}" type="datetimeFigureOut">
               <a:rPr lang="en-US" smtClean="0"/>
-              <a:t>3/25/2018</a:t>
+              <a:t>3/26/2018</a:t>
             </a:fld>
             <a:endParaRPr lang="en-US"/>
           </a:p>
@@ -2008,7 +2008,7 @@
           <a:p>
             <a:fld id="{1DE11695-864A-490D-AD9A-DAAD4018FBC8}" type="datetimeFigureOut">
               <a:rPr lang="en-US" smtClean="0"/>
-              <a:t>3/25/2018</a:t>
+              <a:t>3/26/2018</a:t>
             </a:fld>
             <a:endParaRPr lang="en-US"/>
           </a:p>
@@ -2121,7 +2121,7 @@
           <a:p>
             <a:fld id="{1DE11695-864A-490D-AD9A-DAAD4018FBC8}" type="datetimeFigureOut">
               <a:rPr lang="en-US" smtClean="0"/>
-              <a:t>3/25/2018</a:t>
+              <a:t>3/26/2018</a:t>
             </a:fld>
             <a:endParaRPr lang="en-US"/>
           </a:p>
@@ -2434,7 +2434,7 @@
           <a:p>
             <a:fld id="{1DE11695-864A-490D-AD9A-DAAD4018FBC8}" type="datetimeFigureOut">
               <a:rPr lang="en-US" smtClean="0"/>
-              <a:t>3/25/2018</a:t>
+              <a:t>3/26/2018</a:t>
             </a:fld>
             <a:endParaRPr lang="en-US"/>
           </a:p>
@@ -2723,7 +2723,7 @@
           <a:p>
             <a:fld id="{1DE11695-864A-490D-AD9A-DAAD4018FBC8}" type="datetimeFigureOut">
               <a:rPr lang="en-US" smtClean="0"/>
-              <a:t>3/25/2018</a:t>
+              <a:t>3/26/2018</a:t>
             </a:fld>
             <a:endParaRPr lang="en-US"/>
           </a:p>
@@ -2966,7 +2966,7 @@
           <a:p>
             <a:fld id="{1DE11695-864A-490D-AD9A-DAAD4018FBC8}" type="datetimeFigureOut">
               <a:rPr lang="en-US" smtClean="0"/>
-              <a:t>3/25/2018</a:t>
+              <a:t>3/26/2018</a:t>
             </a:fld>
             <a:endParaRPr lang="en-US"/>
           </a:p>
@@ -18413,7 +18413,7 @@
             </a:r>
             <a:r>
               <a:rPr lang="en-US" altLang="zh-CN" b="1" i="1" dirty="0"/>
-              <a:t>Semantic point cloud interpretation based on optimal neighborhoods, relevant features and efficient classifiers</a:t>
+              <a:t>Semantic point cloud interpretation based on optimal neighborhoods, relevant features and efficient classifiers,2015</a:t>
             </a:r>
           </a:p>
           <a:p>
@@ -18431,7 +18431,7 @@
             </a:r>
             <a:r>
               <a:rPr lang="en-US" altLang="zh-CN" b="1" i="1" dirty="0"/>
-              <a:t> Fast semantic segmentation of 3d point clouds with strongly varying density.</a:t>
+              <a:t> Fast semantic segmentation of 3d point clouds with strongly varying density,2016</a:t>
             </a:r>
           </a:p>
           <a:p>
